--- a/0_welcome/welcome.pptx
+++ b/0_welcome/welcome.pptx
@@ -12,11 +12,12 @@
     <p:sldId id="259" r:id="rId6"/>
     <p:sldId id="263" r:id="rId7"/>
     <p:sldId id="261" r:id="rId8"/>
-    <p:sldId id="264" r:id="rId9"/>
-    <p:sldId id="268" r:id="rId10"/>
-    <p:sldId id="265" r:id="rId11"/>
-    <p:sldId id="266" r:id="rId12"/>
-    <p:sldId id="267" r:id="rId13"/>
+    <p:sldId id="269" r:id="rId9"/>
+    <p:sldId id="264" r:id="rId10"/>
+    <p:sldId id="268" r:id="rId11"/>
+    <p:sldId id="265" r:id="rId12"/>
+    <p:sldId id="266" r:id="rId13"/>
+    <p:sldId id="267" r:id="rId14"/>
   </p:sldIdLst>
   <p:sldSz cx="12192000" cy="6858000"/>
   <p:notesSz cx="6858000" cy="9144000"/>
@@ -115,6 +116,11 @@
       </a:defRPr>
     </a:lvl9pPr>
   </p:defaultTextStyle>
+  <p:extLst>
+    <p:ext uri="{EFAFB233-063F-42B5-8137-9DF3F51BA10A}">
+      <p15:sldGuideLst xmlns:p15="http://schemas.microsoft.com/office/powerpoint/2012/main"/>
+    </p:ext>
+  </p:extLst>
 </p:presentation>
 </file>
 
@@ -3354,7 +3360,7 @@
           <a:p>
             <a:fld id="{88E640F0-257D-0F49-B2E6-A4C31CE005C4}" type="datetimeFigureOut">
               <a:rPr lang="en-US" smtClean="0"/>
-              <a:t>5/9/22</a:t>
+              <a:t>5/20/22</a:t>
             </a:fld>
             <a:endParaRPr lang="en-US"/>
           </a:p>
@@ -3552,7 +3558,7 @@
           <a:p>
             <a:fld id="{88E640F0-257D-0F49-B2E6-A4C31CE005C4}" type="datetimeFigureOut">
               <a:rPr lang="en-US" smtClean="0"/>
-              <a:t>5/9/22</a:t>
+              <a:t>5/20/22</a:t>
             </a:fld>
             <a:endParaRPr lang="en-US"/>
           </a:p>
@@ -3760,7 +3766,7 @@
           <a:p>
             <a:fld id="{88E640F0-257D-0F49-B2E6-A4C31CE005C4}" type="datetimeFigureOut">
               <a:rPr lang="en-US" smtClean="0"/>
-              <a:t>5/9/22</a:t>
+              <a:t>5/20/22</a:t>
             </a:fld>
             <a:endParaRPr lang="en-US"/>
           </a:p>
@@ -3958,7 +3964,7 @@
           <a:p>
             <a:fld id="{88E640F0-257D-0F49-B2E6-A4C31CE005C4}" type="datetimeFigureOut">
               <a:rPr lang="en-US" smtClean="0"/>
-              <a:t>5/9/22</a:t>
+              <a:t>5/20/22</a:t>
             </a:fld>
             <a:endParaRPr lang="en-US"/>
           </a:p>
@@ -4233,7 +4239,7 @@
           <a:p>
             <a:fld id="{88E640F0-257D-0F49-B2E6-A4C31CE005C4}" type="datetimeFigureOut">
               <a:rPr lang="en-US" smtClean="0"/>
-              <a:t>5/9/22</a:t>
+              <a:t>5/20/22</a:t>
             </a:fld>
             <a:endParaRPr lang="en-US"/>
           </a:p>
@@ -4498,7 +4504,7 @@
           <a:p>
             <a:fld id="{88E640F0-257D-0F49-B2E6-A4C31CE005C4}" type="datetimeFigureOut">
               <a:rPr lang="en-US" smtClean="0"/>
-              <a:t>5/9/22</a:t>
+              <a:t>5/20/22</a:t>
             </a:fld>
             <a:endParaRPr lang="en-US"/>
           </a:p>
@@ -4910,7 +4916,7 @@
           <a:p>
             <a:fld id="{88E640F0-257D-0F49-B2E6-A4C31CE005C4}" type="datetimeFigureOut">
               <a:rPr lang="en-US" smtClean="0"/>
-              <a:t>5/9/22</a:t>
+              <a:t>5/20/22</a:t>
             </a:fld>
             <a:endParaRPr lang="en-US"/>
           </a:p>
@@ -5051,7 +5057,7 @@
           <a:p>
             <a:fld id="{88E640F0-257D-0F49-B2E6-A4C31CE005C4}" type="datetimeFigureOut">
               <a:rPr lang="en-US" smtClean="0"/>
-              <a:t>5/9/22</a:t>
+              <a:t>5/20/22</a:t>
             </a:fld>
             <a:endParaRPr lang="en-US"/>
           </a:p>
@@ -5164,7 +5170,7 @@
           <a:p>
             <a:fld id="{88E640F0-257D-0F49-B2E6-A4C31CE005C4}" type="datetimeFigureOut">
               <a:rPr lang="en-US" smtClean="0"/>
-              <a:t>5/9/22</a:t>
+              <a:t>5/20/22</a:t>
             </a:fld>
             <a:endParaRPr lang="en-US"/>
           </a:p>
@@ -5475,7 +5481,7 @@
           <a:p>
             <a:fld id="{88E640F0-257D-0F49-B2E6-A4C31CE005C4}" type="datetimeFigureOut">
               <a:rPr lang="en-US" smtClean="0"/>
-              <a:t>5/9/22</a:t>
+              <a:t>5/20/22</a:t>
             </a:fld>
             <a:endParaRPr lang="en-US"/>
           </a:p>
@@ -5763,7 +5769,7 @@
           <a:p>
             <a:fld id="{88E640F0-257D-0F49-B2E6-A4C31CE005C4}" type="datetimeFigureOut">
               <a:rPr lang="en-US" smtClean="0"/>
-              <a:t>5/9/22</a:t>
+              <a:t>5/20/22</a:t>
             </a:fld>
             <a:endParaRPr lang="en-US"/>
           </a:p>
@@ -6004,7 +6010,7 @@
           <a:p>
             <a:fld id="{88E640F0-257D-0F49-B2E6-A4C31CE005C4}" type="datetimeFigureOut">
               <a:rPr lang="en-US" smtClean="0"/>
-              <a:t>5/9/22</a:t>
+              <a:t>5/20/22</a:t>
             </a:fld>
             <a:endParaRPr lang="en-US"/>
           </a:p>
@@ -6812,6 +6818,145 @@
           <a:chExt cx="0" cy="0"/>
         </a:xfrm>
       </p:grpSpPr>
+      <p:sp>
+        <p:nvSpPr>
+          <p:cNvPr id="2" name="Title 1">
+            <a:extLst>
+              <a:ext uri="{FF2B5EF4-FFF2-40B4-BE49-F238E27FC236}">
+                <a16:creationId xmlns:a16="http://schemas.microsoft.com/office/drawing/2014/main" id="{B36C652D-906E-27E6-F97F-55619D9EEB07}"/>
+              </a:ext>
+            </a:extLst>
+          </p:cNvPr>
+          <p:cNvSpPr>
+            <a:spLocks noGrp="1"/>
+          </p:cNvSpPr>
+          <p:nvPr>
+            <p:ph type="title"/>
+          </p:nvPr>
+        </p:nvSpPr>
+        <p:spPr/>
+        <p:txBody>
+          <a:bodyPr/>
+          <a:lstStyle/>
+          <a:p>
+            <a:r>
+              <a:rPr lang="en-US" dirty="0"/>
+              <a:t>Introduction to the data</a:t>
+            </a:r>
+          </a:p>
+        </p:txBody>
+      </p:sp>
+      <p:sp>
+        <p:nvSpPr>
+          <p:cNvPr id="3" name="Content Placeholder 2">
+            <a:extLst>
+              <a:ext uri="{FF2B5EF4-FFF2-40B4-BE49-F238E27FC236}">
+                <a16:creationId xmlns:a16="http://schemas.microsoft.com/office/drawing/2014/main" id="{BB9EEE7C-3BAD-6794-B760-7D5AE6CA5FA1}"/>
+              </a:ext>
+            </a:extLst>
+          </p:cNvPr>
+          <p:cNvSpPr>
+            <a:spLocks noGrp="1"/>
+          </p:cNvSpPr>
+          <p:nvPr>
+            <p:ph idx="1"/>
+          </p:nvPr>
+        </p:nvSpPr>
+        <p:spPr/>
+        <p:txBody>
+          <a:bodyPr>
+            <a:normAutofit/>
+          </a:bodyPr>
+          <a:lstStyle/>
+          <a:p>
+            <a:endParaRPr lang="en-US" i="1" dirty="0"/>
+          </a:p>
+          <a:p>
+            <a:r>
+              <a:rPr lang="en-US" i="1" dirty="0"/>
+              <a:t>Mycobacterium tuberculosis </a:t>
+            </a:r>
+            <a:r>
+              <a:rPr lang="en-US" dirty="0"/>
+              <a:t>(</a:t>
+            </a:r>
+            <a:r>
+              <a:rPr lang="en-US" dirty="0" err="1"/>
+              <a:t>Mtb</a:t>
+            </a:r>
+            <a:r>
+              <a:rPr lang="en-US" dirty="0"/>
+              <a:t>) is the causative agent of tuberculosis (TB)</a:t>
+            </a:r>
+          </a:p>
+          <a:p>
+            <a:r>
+              <a:rPr lang="en-US" dirty="0"/>
+              <a:t>TB is among the top infectious killers worldwide… and had been for centuries</a:t>
+            </a:r>
+          </a:p>
+          <a:p>
+            <a:r>
+              <a:rPr lang="en-US" dirty="0" err="1"/>
+              <a:t>Mtb</a:t>
+            </a:r>
+            <a:r>
+              <a:rPr lang="en-US" dirty="0"/>
+              <a:t> predominantly infects lung macrophages</a:t>
+            </a:r>
+          </a:p>
+          <a:p>
+            <a:r>
+              <a:rPr lang="en-US" dirty="0"/>
+              <a:t>Exposure to </a:t>
+            </a:r>
+            <a:r>
+              <a:rPr lang="en-US" dirty="0" err="1"/>
+              <a:t>Mtb</a:t>
+            </a:r>
+            <a:r>
+              <a:rPr lang="en-US" dirty="0"/>
+              <a:t> results in infection that is cleared, contained, or progresses to disease</a:t>
+            </a:r>
+          </a:p>
+          <a:p>
+            <a:r>
+              <a:rPr lang="en-US" dirty="0"/>
+              <a:t>Mechanisms that distinguish these outcomes are unknown</a:t>
+            </a:r>
+          </a:p>
+        </p:txBody>
+      </p:sp>
+    </p:spTree>
+    <p:extLst>
+      <p:ext uri="{BB962C8B-B14F-4D97-AF65-F5344CB8AC3E}">
+        <p14:creationId xmlns:p14="http://schemas.microsoft.com/office/powerpoint/2010/main" val="1741824754"/>
+      </p:ext>
+    </p:extLst>
+  </p:cSld>
+  <p:clrMapOvr>
+    <a:masterClrMapping/>
+  </p:clrMapOvr>
+</p:sld>
+</file>
+
+<file path=ppt/slides/slide11.xml><?xml version="1.0" encoding="utf-8"?>
+<p:sld xmlns:a="http://schemas.openxmlformats.org/drawingml/2006/main" xmlns:r="http://schemas.openxmlformats.org/officeDocument/2006/relationships" xmlns:p="http://schemas.openxmlformats.org/presentationml/2006/main">
+  <p:cSld>
+    <p:spTree>
+      <p:nvGrpSpPr>
+        <p:cNvPr id="1" name=""/>
+        <p:cNvGrpSpPr/>
+        <p:nvPr/>
+      </p:nvGrpSpPr>
+      <p:grpSpPr>
+        <a:xfrm>
+          <a:off x="0" y="0"/>
+          <a:ext cx="0" cy="0"/>
+          <a:chOff x="0" y="0"/>
+          <a:chExt cx="0" cy="0"/>
+        </a:xfrm>
+      </p:grpSpPr>
       <p:graphicFrame>
         <p:nvGraphicFramePr>
           <p:cNvPr id="4" name="Content Placeholder 3">
@@ -6889,7 +7034,7 @@
 </p:sld>
 </file>
 
-<file path=ppt/slides/slide11.xml><?xml version="1.0" encoding="utf-8"?>
+<file path=ppt/slides/slide12.xml><?xml version="1.0" encoding="utf-8"?>
 <p:sld xmlns:a="http://schemas.openxmlformats.org/drawingml/2006/main" xmlns:r="http://schemas.openxmlformats.org/officeDocument/2006/relationships" xmlns:p="http://schemas.openxmlformats.org/presentationml/2006/main">
   <p:cSld>
     <p:spTree>
@@ -10482,7 +10627,7 @@
 </p:sld>
 </file>
 
-<file path=ppt/slides/slide12.xml><?xml version="1.0" encoding="utf-8"?>
+<file path=ppt/slides/slide13.xml><?xml version="1.0" encoding="utf-8"?>
 <p:sld xmlns:a="http://schemas.openxmlformats.org/drawingml/2006/main" xmlns:r="http://schemas.openxmlformats.org/officeDocument/2006/relationships" xmlns:p="http://schemas.openxmlformats.org/presentationml/2006/main">
   <p:cSld>
     <p:spTree>
@@ -15317,7 +15462,7 @@
           <p:cNvPr id="2" name="Title 1">
             <a:extLst>
               <a:ext uri="{FF2B5EF4-FFF2-40B4-BE49-F238E27FC236}">
-                <a16:creationId xmlns:a16="http://schemas.microsoft.com/office/drawing/2014/main" id="{B36C652D-906E-27E6-F97F-55619D9EEB07}"/>
+                <a16:creationId xmlns:a16="http://schemas.microsoft.com/office/drawing/2014/main" id="{417E45D5-7E1C-B9FA-5657-770AF5202CE1}"/>
               </a:ext>
             </a:extLst>
           </p:cNvPr>
@@ -15335,7 +15480,7 @@
           <a:p>
             <a:r>
               <a:rPr lang="en-US" dirty="0"/>
-              <a:t>Introduction to the data</a:t>
+              <a:t>Motivation</a:t>
             </a:r>
           </a:p>
         </p:txBody>
@@ -15345,7 +15490,7 @@
           <p:cNvPr id="3" name="Content Placeholder 2">
             <a:extLst>
               <a:ext uri="{FF2B5EF4-FFF2-40B4-BE49-F238E27FC236}">
-                <a16:creationId xmlns:a16="http://schemas.microsoft.com/office/drawing/2014/main" id="{BB9EEE7C-3BAD-6794-B760-7D5AE6CA5FA1}"/>
+                <a16:creationId xmlns:a16="http://schemas.microsoft.com/office/drawing/2014/main" id="{36750D50-6651-6B3A-FD36-B6634E166753}"/>
               </a:ext>
             </a:extLst>
           </p:cNvPr>
@@ -15356,116 +15501,107 @@
             <p:ph idx="1"/>
           </p:nvPr>
         </p:nvSpPr>
-        <p:spPr/>
+        <p:spPr>
+          <a:xfrm>
+            <a:off x="838200" y="1690687"/>
+            <a:ext cx="10515600" cy="4802187"/>
+          </a:xfrm>
+        </p:spPr>
         <p:txBody>
-          <a:bodyPr/>
+          <a:bodyPr>
+            <a:normAutofit/>
+          </a:bodyPr>
           <a:lstStyle/>
           <a:p>
-            <a:pPr marL="0" indent="0">
-              <a:buNone/>
-            </a:pPr>
+            <a:r>
+              <a:rPr lang="en-US" dirty="0"/>
+              <a:t>Why write code?</a:t>
+            </a:r>
+          </a:p>
+          <a:p>
+            <a:pPr lvl="1"/>
+            <a:r>
+              <a:rPr lang="en-US" dirty="0"/>
+              <a:t>More reproducible (scripts!)</a:t>
+            </a:r>
+          </a:p>
+          <a:p>
+            <a:pPr lvl="1"/>
+            <a:r>
+              <a:rPr lang="en-US" dirty="0"/>
+              <a:t>Customization and control</a:t>
+            </a:r>
+          </a:p>
+          <a:p>
+            <a:pPr lvl="1"/>
+            <a:r>
+              <a:rPr lang="en-US" dirty="0"/>
+              <a:t>Access high-performance and high-throughput resources</a:t>
+            </a:r>
+          </a:p>
+          <a:p>
             <a:endParaRPr lang="en-US" dirty="0"/>
           </a:p>
           <a:p>
-            <a:pPr marL="0" indent="0" algn="just">
-              <a:buNone/>
-            </a:pPr>
             <a:r>
               <a:rPr lang="en-US" dirty="0"/>
-              <a:t>Simmons JD, Dill-McFarland KA, </a:t>
-            </a:r>
-            <a:r>
-              <a:rPr lang="en-US" i="1" dirty="0"/>
-              <a:t>et al</a:t>
-            </a:r>
+              <a:t>Why R?</a:t>
+            </a:r>
+          </a:p>
+          <a:p>
+            <a:pPr lvl="1"/>
             <a:r>
               <a:rPr lang="en-US" dirty="0"/>
-              <a:t>. 2022. Monocyte transcriptional responses to </a:t>
-            </a:r>
-            <a:r>
-              <a:rPr lang="en-US" i="1" dirty="0"/>
-              <a:t>Mycobacterium tuberculosis</a:t>
-            </a:r>
+              <a:t>Open-source and free</a:t>
+            </a:r>
+          </a:p>
+          <a:p>
+            <a:pPr lvl="1"/>
             <a:r>
               <a:rPr lang="en-US" dirty="0"/>
-              <a:t> associate with resistance to tuberculin skin test and interferon gamma release assay conversion. </a:t>
+              <a:t>Supportive community</a:t>
+            </a:r>
+          </a:p>
+          <a:p>
+            <a:pPr lvl="1"/>
+            <a:r>
+              <a:rPr lang="en-US" dirty="0"/>
+              <a:t>Statistical foundation</a:t>
+            </a:r>
+          </a:p>
+          <a:p>
+            <a:pPr lvl="1"/>
+            <a:r>
+              <a:rPr lang="en-US" dirty="0"/>
+              <a:t>Well-documented and popular packages for </a:t>
             </a:r>
             <a:r>
               <a:rPr lang="en-US" dirty="0" err="1"/>
-              <a:t>mSphere</a:t>
-            </a:r>
+              <a:t>RNAseq</a:t>
+            </a:r>
+            <a:endParaRPr lang="en-US" dirty="0"/>
+          </a:p>
+          <a:p>
+            <a:pPr lvl="1"/>
             <a:r>
               <a:rPr lang="en-US" dirty="0"/>
-              <a:t>. Under revision.</a:t>
-            </a:r>
-          </a:p>
-          <a:p>
-            <a:endParaRPr lang="en-US" dirty="0"/>
-          </a:p>
-          <a:p>
-            <a:pPr marL="0" indent="0">
-              <a:buNone/>
-            </a:pPr>
-            <a:r>
-              <a:rPr lang="en-US" dirty="0">
-                <a:solidFill>
-                  <a:srgbClr val="0070C0"/>
-                </a:solidFill>
-              </a:rPr>
-              <a:t>https://</a:t>
-            </a:r>
-            <a:r>
-              <a:rPr lang="en-US" dirty="0" err="1">
-                <a:solidFill>
-                  <a:srgbClr val="0070C0"/>
-                </a:solidFill>
-              </a:rPr>
-              <a:t>github.com</a:t>
-            </a:r>
-            <a:r>
-              <a:rPr lang="en-US" dirty="0">
-                <a:solidFill>
-                  <a:srgbClr val="0070C0"/>
-                </a:solidFill>
-              </a:rPr>
-              <a:t>/</a:t>
-            </a:r>
-            <a:r>
-              <a:rPr lang="en-US" dirty="0" err="1">
-                <a:solidFill>
-                  <a:srgbClr val="0070C0"/>
-                </a:solidFill>
-              </a:rPr>
-              <a:t>hawn</a:t>
-            </a:r>
-            <a:r>
-              <a:rPr lang="en-US" dirty="0">
-                <a:solidFill>
-                  <a:srgbClr val="0070C0"/>
-                </a:solidFill>
-              </a:rPr>
-              <a:t>-lab/</a:t>
-            </a:r>
-            <a:r>
-              <a:rPr lang="en-US" dirty="0" err="1">
-                <a:solidFill>
-                  <a:srgbClr val="0070C0"/>
-                </a:solidFill>
-              </a:rPr>
-              <a:t>RSTR_RNAseq_Mtb_public</a:t>
-            </a:r>
-            <a:endParaRPr lang="en-US" dirty="0">
-              <a:solidFill>
-                <a:srgbClr val="0070C0"/>
-              </a:solidFill>
-            </a:endParaRPr>
+              <a:t>We could go on… We </a:t>
+            </a:r>
+            <a:r>
+              <a:rPr lang="en-US" sz="2000" dirty="0"/>
+              <a:t>💜</a:t>
+            </a:r>
+            <a:r>
+              <a:rPr lang="en-US" dirty="0"/>
+              <a:t> R</a:t>
+            </a:r>
           </a:p>
         </p:txBody>
       </p:sp>
     </p:spTree>
     <p:extLst>
       <p:ext uri="{BB962C8B-B14F-4D97-AF65-F5344CB8AC3E}">
-        <p14:creationId xmlns:p14="http://schemas.microsoft.com/office/powerpoint/2010/main" val="4063691786"/>
+        <p14:creationId xmlns:p14="http://schemas.microsoft.com/office/powerpoint/2010/main" val="663214049"/>
       </p:ext>
     </p:extLst>
   </p:cSld>
@@ -15538,73 +15674,114 @@
         </p:nvSpPr>
         <p:spPr/>
         <p:txBody>
-          <a:bodyPr>
-            <a:normAutofit/>
-          </a:bodyPr>
+          <a:bodyPr/>
           <a:lstStyle/>
           <a:p>
-            <a:endParaRPr lang="en-US" i="1" dirty="0"/>
-          </a:p>
-          <a:p>
+            <a:pPr marL="0" indent="0">
+              <a:buNone/>
+            </a:pPr>
+            <a:endParaRPr lang="en-US" dirty="0"/>
+          </a:p>
+          <a:p>
+            <a:pPr marL="0" indent="0" algn="just">
+              <a:buNone/>
+            </a:pPr>
+            <a:r>
+              <a:rPr lang="en-US" dirty="0"/>
+              <a:t>Simmons JD, Dill-McFarland KA, </a:t>
+            </a:r>
             <a:r>
               <a:rPr lang="en-US" i="1" dirty="0"/>
-              <a:t>Mycobacterium tuberculosis </a:t>
+              <a:t>et al</a:t>
             </a:r>
             <a:r>
               <a:rPr lang="en-US" dirty="0"/>
-              <a:t>(</a:t>
+              <a:t>. 2022. Monocyte transcriptional responses to </a:t>
+            </a:r>
+            <a:r>
+              <a:rPr lang="en-US" i="1" dirty="0"/>
+              <a:t>Mycobacterium tuberculosis</a:t>
+            </a:r>
+            <a:r>
+              <a:rPr lang="en-US" dirty="0"/>
+              <a:t> associate with resistance to tuberculin skin test and interferon gamma release assay conversion. </a:t>
             </a:r>
             <a:r>
               <a:rPr lang="en-US" dirty="0" err="1"/>
-              <a:t>Mtb</a:t>
+              <a:t>mSphere</a:t>
             </a:r>
             <a:r>
               <a:rPr lang="en-US" dirty="0"/>
-              <a:t>) is the causative agent of tuberculosis (TB)</a:t>
-            </a:r>
-          </a:p>
-          <a:p>
-            <a:r>
-              <a:rPr lang="en-US" dirty="0"/>
-              <a:t>TB is among the top infectious killers worldwide… and had been for centuries</a:t>
-            </a:r>
-          </a:p>
-          <a:p>
-            <a:r>
-              <a:rPr lang="en-US" dirty="0" err="1"/>
-              <a:t>Mtb</a:t>
-            </a:r>
-            <a:r>
-              <a:rPr lang="en-US" dirty="0"/>
-              <a:t> predominantly infects lung macrophages</a:t>
-            </a:r>
-          </a:p>
-          <a:p>
-            <a:r>
-              <a:rPr lang="en-US" dirty="0"/>
-              <a:t>Exposure to </a:t>
-            </a:r>
-            <a:r>
-              <a:rPr lang="en-US" dirty="0" err="1"/>
-              <a:t>Mtb</a:t>
-            </a:r>
-            <a:r>
-              <a:rPr lang="en-US" dirty="0"/>
-              <a:t> results in infection that is cleared, contained, or progresses to disease</a:t>
-            </a:r>
-          </a:p>
-          <a:p>
-            <a:r>
-              <a:rPr lang="en-US" dirty="0"/>
-              <a:t>Mechanisms that distinguish these outcomes are unknown</a:t>
-            </a:r>
+              <a:t>. In press.</a:t>
+            </a:r>
+          </a:p>
+          <a:p>
+            <a:endParaRPr lang="en-US" dirty="0"/>
+          </a:p>
+          <a:p>
+            <a:pPr marL="0" indent="0">
+              <a:buNone/>
+            </a:pPr>
+            <a:r>
+              <a:rPr lang="en-US" dirty="0">
+                <a:solidFill>
+                  <a:srgbClr val="0070C0"/>
+                </a:solidFill>
+              </a:rPr>
+              <a:t>https://</a:t>
+            </a:r>
+            <a:r>
+              <a:rPr lang="en-US" dirty="0" err="1">
+                <a:solidFill>
+                  <a:srgbClr val="0070C0"/>
+                </a:solidFill>
+              </a:rPr>
+              <a:t>github.com</a:t>
+            </a:r>
+            <a:r>
+              <a:rPr lang="en-US" dirty="0">
+                <a:solidFill>
+                  <a:srgbClr val="0070C0"/>
+                </a:solidFill>
+              </a:rPr>
+              <a:t>/</a:t>
+            </a:r>
+            <a:r>
+              <a:rPr lang="en-US" dirty="0" err="1">
+                <a:solidFill>
+                  <a:srgbClr val="0070C0"/>
+                </a:solidFill>
+              </a:rPr>
+              <a:t>hawn</a:t>
+            </a:r>
+            <a:r>
+              <a:rPr lang="en-US" dirty="0">
+                <a:solidFill>
+                  <a:srgbClr val="0070C0"/>
+                </a:solidFill>
+              </a:rPr>
+              <a:t>-lab/</a:t>
+            </a:r>
+            <a:r>
+              <a:rPr lang="en-US" dirty="0" err="1">
+                <a:solidFill>
+                  <a:srgbClr val="0070C0"/>
+                </a:solidFill>
+              </a:rPr>
+              <a:t>RSTR_RNAseq_Mtb_public</a:t>
+            </a:r>
+            <a:endParaRPr lang="en-US" dirty="0">
+              <a:solidFill>
+                <a:srgbClr val="0070C0"/>
+              </a:solidFill>
+            </a:endParaRPr>
           </a:p>
         </p:txBody>
       </p:sp>
     </p:spTree>
     <p:extLst>
       <p:ext uri="{BB962C8B-B14F-4D97-AF65-F5344CB8AC3E}">
-        <p14:creationId xmlns:p14="http://schemas.microsoft.com/office/powerpoint/2010/main" val="1741824754"/>
+        <p14:creationId xmlns:p14="http://schemas.microsoft.com/office/powerpoint/2010/main" val="4063691786"/>
       </p:ext>
     </p:extLst>
   </p:cSld>

--- a/0_welcome/welcome.pptx
+++ b/0_welcome/welcome.pptx
@@ -11,13 +11,14 @@
     <p:sldId id="258" r:id="rId5"/>
     <p:sldId id="259" r:id="rId6"/>
     <p:sldId id="263" r:id="rId7"/>
-    <p:sldId id="261" r:id="rId8"/>
-    <p:sldId id="269" r:id="rId9"/>
-    <p:sldId id="264" r:id="rId10"/>
-    <p:sldId id="268" r:id="rId11"/>
-    <p:sldId id="265" r:id="rId12"/>
-    <p:sldId id="266" r:id="rId13"/>
-    <p:sldId id="267" r:id="rId14"/>
+    <p:sldId id="270" r:id="rId8"/>
+    <p:sldId id="261" r:id="rId9"/>
+    <p:sldId id="269" r:id="rId10"/>
+    <p:sldId id="264" r:id="rId11"/>
+    <p:sldId id="268" r:id="rId12"/>
+    <p:sldId id="265" r:id="rId13"/>
+    <p:sldId id="266" r:id="rId14"/>
+    <p:sldId id="267" r:id="rId15"/>
   </p:sldIdLst>
   <p:sldSz cx="12192000" cy="6858000"/>
   <p:notesSz cx="6858000" cy="9144000"/>
@@ -3360,7 +3361,7 @@
           <a:p>
             <a:fld id="{88E640F0-257D-0F49-B2E6-A4C31CE005C4}" type="datetimeFigureOut">
               <a:rPr lang="en-US" smtClean="0"/>
-              <a:t>5/20/22</a:t>
+              <a:t>5/27/22</a:t>
             </a:fld>
             <a:endParaRPr lang="en-US"/>
           </a:p>
@@ -3558,7 +3559,7 @@
           <a:p>
             <a:fld id="{88E640F0-257D-0F49-B2E6-A4C31CE005C4}" type="datetimeFigureOut">
               <a:rPr lang="en-US" smtClean="0"/>
-              <a:t>5/20/22</a:t>
+              <a:t>5/27/22</a:t>
             </a:fld>
             <a:endParaRPr lang="en-US"/>
           </a:p>
@@ -3766,7 +3767,7 @@
           <a:p>
             <a:fld id="{88E640F0-257D-0F49-B2E6-A4C31CE005C4}" type="datetimeFigureOut">
               <a:rPr lang="en-US" smtClean="0"/>
-              <a:t>5/20/22</a:t>
+              <a:t>5/27/22</a:t>
             </a:fld>
             <a:endParaRPr lang="en-US"/>
           </a:p>
@@ -3964,7 +3965,7 @@
           <a:p>
             <a:fld id="{88E640F0-257D-0F49-B2E6-A4C31CE005C4}" type="datetimeFigureOut">
               <a:rPr lang="en-US" smtClean="0"/>
-              <a:t>5/20/22</a:t>
+              <a:t>5/27/22</a:t>
             </a:fld>
             <a:endParaRPr lang="en-US"/>
           </a:p>
@@ -4239,7 +4240,7 @@
           <a:p>
             <a:fld id="{88E640F0-257D-0F49-B2E6-A4C31CE005C4}" type="datetimeFigureOut">
               <a:rPr lang="en-US" smtClean="0"/>
-              <a:t>5/20/22</a:t>
+              <a:t>5/27/22</a:t>
             </a:fld>
             <a:endParaRPr lang="en-US"/>
           </a:p>
@@ -4504,7 +4505,7 @@
           <a:p>
             <a:fld id="{88E640F0-257D-0F49-B2E6-A4C31CE005C4}" type="datetimeFigureOut">
               <a:rPr lang="en-US" smtClean="0"/>
-              <a:t>5/20/22</a:t>
+              <a:t>5/27/22</a:t>
             </a:fld>
             <a:endParaRPr lang="en-US"/>
           </a:p>
@@ -4916,7 +4917,7 @@
           <a:p>
             <a:fld id="{88E640F0-257D-0F49-B2E6-A4C31CE005C4}" type="datetimeFigureOut">
               <a:rPr lang="en-US" smtClean="0"/>
-              <a:t>5/20/22</a:t>
+              <a:t>5/27/22</a:t>
             </a:fld>
             <a:endParaRPr lang="en-US"/>
           </a:p>
@@ -5057,7 +5058,7 @@
           <a:p>
             <a:fld id="{88E640F0-257D-0F49-B2E6-A4C31CE005C4}" type="datetimeFigureOut">
               <a:rPr lang="en-US" smtClean="0"/>
-              <a:t>5/20/22</a:t>
+              <a:t>5/27/22</a:t>
             </a:fld>
             <a:endParaRPr lang="en-US"/>
           </a:p>
@@ -5170,7 +5171,7 @@
           <a:p>
             <a:fld id="{88E640F0-257D-0F49-B2E6-A4C31CE005C4}" type="datetimeFigureOut">
               <a:rPr lang="en-US" smtClean="0"/>
-              <a:t>5/20/22</a:t>
+              <a:t>5/27/22</a:t>
             </a:fld>
             <a:endParaRPr lang="en-US"/>
           </a:p>
@@ -5481,7 +5482,7 @@
           <a:p>
             <a:fld id="{88E640F0-257D-0F49-B2E6-A4C31CE005C4}" type="datetimeFigureOut">
               <a:rPr lang="en-US" smtClean="0"/>
-              <a:t>5/20/22</a:t>
+              <a:t>5/27/22</a:t>
             </a:fld>
             <a:endParaRPr lang="en-US"/>
           </a:p>
@@ -5769,7 +5770,7 @@
           <a:p>
             <a:fld id="{88E640F0-257D-0F49-B2E6-A4C31CE005C4}" type="datetimeFigureOut">
               <a:rPr lang="en-US" smtClean="0"/>
-              <a:t>5/20/22</a:t>
+              <a:t>5/27/22</a:t>
             </a:fld>
             <a:endParaRPr lang="en-US"/>
           </a:p>
@@ -6010,7 +6011,7 @@
           <a:p>
             <a:fld id="{88E640F0-257D-0F49-B2E6-A4C31CE005C4}" type="datetimeFigureOut">
               <a:rPr lang="en-US" smtClean="0"/>
-              <a:t>5/20/22</a:t>
+              <a:t>5/27/22</a:t>
             </a:fld>
             <a:endParaRPr lang="en-US"/>
           </a:p>
@@ -6479,9 +6480,80 @@
         </p:spPr>
         <p:txBody>
           <a:bodyPr>
-            <a:normAutofit/>
+            <a:normAutofit fontScale="92500" lnSpcReduction="20000"/>
           </a:bodyPr>
           <a:lstStyle/>
+          <a:p>
+            <a:r>
+              <a:rPr lang="en-US" dirty="0"/>
+              <a:t>Join Slack </a:t>
+            </a:r>
+            <a:r>
+              <a:rPr lang="en-US" dirty="0" err="1">
+                <a:solidFill>
+                  <a:srgbClr val="0070C0"/>
+                </a:solidFill>
+              </a:rPr>
+              <a:t>bit.ly</a:t>
+            </a:r>
+            <a:r>
+              <a:rPr lang="en-US" dirty="0">
+                <a:solidFill>
+                  <a:srgbClr val="0070C0"/>
+                </a:solidFill>
+              </a:rPr>
+              <a:t>/</a:t>
+            </a:r>
+            <a:r>
+              <a:rPr lang="en-US" dirty="0" err="1">
+                <a:solidFill>
+                  <a:srgbClr val="0070C0"/>
+                </a:solidFill>
+              </a:rPr>
+              <a:t>binfo_slack</a:t>
+            </a:r>
+            <a:endParaRPr lang="en-US" dirty="0">
+              <a:solidFill>
+                <a:srgbClr val="0070C0"/>
+              </a:solidFill>
+            </a:endParaRPr>
+          </a:p>
+          <a:p>
+            <a:pPr lvl="1"/>
+            <a:r>
+              <a:rPr lang="en-US" dirty="0"/>
+              <a:t>You will find all of these links and code in the </a:t>
+            </a:r>
+            <a:r>
+              <a:rPr lang="en-US" dirty="0">
+                <a:solidFill>
+                  <a:srgbClr val="FF0000"/>
+                </a:solidFill>
+              </a:rPr>
+              <a:t>#install </a:t>
+            </a:r>
+            <a:r>
+              <a:rPr lang="en-US" dirty="0"/>
+              <a:t>channel</a:t>
+            </a:r>
+          </a:p>
+          <a:p>
+            <a:endParaRPr lang="en-US" dirty="0"/>
+          </a:p>
+          <a:p>
+            <a:r>
+              <a:rPr lang="en-US" dirty="0"/>
+              <a:t>Download the data </a:t>
+            </a:r>
+            <a:r>
+              <a:rPr lang="en-US" dirty="0">
+                <a:solidFill>
+                  <a:srgbClr val="0070C0"/>
+                </a:solidFill>
+              </a:rPr>
+              <a:t>https://github.com/BIGslu/2022_ASM_Microbe_RNAseq/blob/main/0_data/0_data.zip</a:t>
+            </a:r>
+          </a:p>
           <a:p>
             <a:r>
               <a:rPr lang="en-US" dirty="0"/>
@@ -6511,83 +6583,85 @@
             </a:r>
           </a:p>
           <a:p>
+            <a:endParaRPr lang="en-US" dirty="0"/>
+          </a:p>
+          <a:p>
             <a:r>
               <a:rPr lang="en-US" dirty="0"/>
-              <a:t>Join Slack </a:t>
-            </a:r>
-            <a:r>
-              <a:rPr lang="en-US" dirty="0">
-                <a:solidFill>
-                  <a:srgbClr val="0070C0"/>
-                </a:solidFill>
-              </a:rPr>
-              <a:t>bit.ly/binfo_slack</a:t>
-            </a:r>
-          </a:p>
-          <a:p>
-            <a:endParaRPr lang="en-US" dirty="0"/>
-          </a:p>
-          <a:p>
-            <a:r>
-              <a:rPr lang="en-US" dirty="0"/>
-              <a:t>Install packages in RStudio console (Can also be found in Slack channel #install)</a:t>
-            </a:r>
-          </a:p>
-          <a:p>
-            <a:pPr marL="466725" indent="0">
-              <a:buNone/>
-            </a:pPr>
-            <a:r>
-              <a:rPr lang="en-US" sz="2000" dirty="0" err="1">
+              <a:t>Install packages in RStudio console</a:t>
+            </a:r>
+            <a:endParaRPr lang="en-US" sz="2000" dirty="0">
+              <a:latin typeface="Courier New" panose="02070309020205020404" pitchFamily="49" charset="0"/>
+              <a:cs typeface="Courier New" panose="02070309020205020404" pitchFamily="49" charset="0"/>
+            </a:endParaRPr>
+          </a:p>
+          <a:p>
+            <a:pPr lvl="1"/>
+            <a:r>
+              <a:rPr lang="en-US" sz="1600" dirty="0" err="1">
                 <a:latin typeface="Courier New" panose="02070309020205020404" pitchFamily="49" charset="0"/>
                 <a:cs typeface="Courier New" panose="02070309020205020404" pitchFamily="49" charset="0"/>
               </a:rPr>
               <a:t>install.packages</a:t>
             </a:r>
             <a:r>
-              <a:rPr lang="en-US" sz="2000" dirty="0">
+              <a:rPr lang="en-US" sz="1600" dirty="0">
                 <a:latin typeface="Courier New" panose="02070309020205020404" pitchFamily="49" charset="0"/>
                 <a:cs typeface="Courier New" panose="02070309020205020404" pitchFamily="49" charset="0"/>
               </a:rPr>
               <a:t>(c("</a:t>
             </a:r>
             <a:r>
-              <a:rPr lang="en-US" sz="2000" dirty="0" err="1">
+              <a:rPr lang="en-US" sz="1600" dirty="0" err="1">
                 <a:latin typeface="Courier New" panose="02070309020205020404" pitchFamily="49" charset="0"/>
                 <a:cs typeface="Courier New" panose="02070309020205020404" pitchFamily="49" charset="0"/>
               </a:rPr>
               <a:t>tidyverse</a:t>
             </a:r>
             <a:r>
-              <a:rPr lang="en-US" sz="2000" dirty="0">
+              <a:rPr lang="en-US" sz="1600" dirty="0">
                 <a:latin typeface="Courier New" panose="02070309020205020404" pitchFamily="49" charset="0"/>
                 <a:cs typeface="Courier New" panose="02070309020205020404" pitchFamily="49" charset="0"/>
               </a:rPr>
-              <a:t>","</a:t>
-            </a:r>
-            <a:r>
-              <a:rPr lang="en-US" sz="2000" dirty="0" err="1">
+              <a:t>", "lme4", "</a:t>
+            </a:r>
+            <a:r>
+              <a:rPr lang="en-US" sz="1600" dirty="0" err="1">
+                <a:latin typeface="Courier New" panose="02070309020205020404" pitchFamily="49" charset="0"/>
+                <a:cs typeface="Courier New" panose="02070309020205020404" pitchFamily="49" charset="0"/>
+              </a:rPr>
+              <a:t>lmerTest</a:t>
+            </a:r>
+            <a:r>
+              <a:rPr lang="en-US" sz="1600" dirty="0">
+                <a:latin typeface="Courier New" panose="02070309020205020404" pitchFamily="49" charset="0"/>
+                <a:cs typeface="Courier New" panose="02070309020205020404" pitchFamily="49" charset="0"/>
+              </a:rPr>
+              <a:t>", "</a:t>
+            </a:r>
+            <a:r>
+              <a:rPr lang="en-US" sz="1600" dirty="0" err="1">
                 <a:latin typeface="Courier New" panose="02070309020205020404" pitchFamily="49" charset="0"/>
                 <a:cs typeface="Courier New" panose="02070309020205020404" pitchFamily="49" charset="0"/>
               </a:rPr>
               <a:t>BiocManager</a:t>
             </a:r>
             <a:r>
-              <a:rPr lang="en-US" sz="2000" dirty="0">
+              <a:rPr lang="en-US" sz="1600" dirty="0">
                 <a:latin typeface="Courier New" panose="02070309020205020404" pitchFamily="49" charset="0"/>
                 <a:cs typeface="Courier New" panose="02070309020205020404" pitchFamily="49" charset="0"/>
               </a:rPr>
               <a:t>", "</a:t>
             </a:r>
             <a:r>
-              <a:rPr lang="en-US" sz="2000" dirty="0" err="1">
+              <a:rPr lang="en-US" sz="1600" dirty="0" err="1">
                 <a:latin typeface="Courier New" panose="02070309020205020404" pitchFamily="49" charset="0"/>
                 <a:cs typeface="Courier New" panose="02070309020205020404" pitchFamily="49" charset="0"/>
               </a:rPr>
               <a:t>devtools</a:t>
             </a:r>
             <a:r>
-              <a:rPr lang="en-US" sz="2000" dirty="0">
+              <a:rPr lang="en-US" sz="1600" dirty="0">
                 <a:latin typeface="Courier New" panose="02070309020205020404" pitchFamily="49" charset="0"/>
                 <a:cs typeface="Courier New" panose="02070309020205020404" pitchFamily="49" charset="0"/>
               </a:rPr>
@@ -6595,60 +6669,58 @@
             </a:r>
           </a:p>
           <a:p>
-            <a:pPr marL="466725" indent="0">
-              <a:buNone/>
-            </a:pPr>
-            <a:r>
-              <a:rPr lang="en-US" sz="2000" dirty="0" err="1">
+            <a:pPr lvl="1"/>
+            <a:r>
+              <a:rPr lang="en-US" sz="1600" dirty="0" err="1">
                 <a:latin typeface="Courier New" panose="02070309020205020404" pitchFamily="49" charset="0"/>
                 <a:cs typeface="Courier New" panose="02070309020205020404" pitchFamily="49" charset="0"/>
               </a:rPr>
               <a:t>BiocManager</a:t>
             </a:r>
             <a:r>
-              <a:rPr lang="en-US" sz="2000" dirty="0">
+              <a:rPr lang="en-US" sz="1600" dirty="0">
                 <a:latin typeface="Courier New" panose="02070309020205020404" pitchFamily="49" charset="0"/>
                 <a:cs typeface="Courier New" panose="02070309020205020404" pitchFamily="49" charset="0"/>
               </a:rPr>
               <a:t>::install(c("</a:t>
             </a:r>
             <a:r>
-              <a:rPr lang="en-US" sz="2000" dirty="0" err="1">
+              <a:rPr lang="en-US" sz="1600" dirty="0" err="1">
                 <a:latin typeface="Courier New" panose="02070309020205020404" pitchFamily="49" charset="0"/>
                 <a:cs typeface="Courier New" panose="02070309020205020404" pitchFamily="49" charset="0"/>
               </a:rPr>
               <a:t>edgeR</a:t>
             </a:r>
             <a:r>
-              <a:rPr lang="en-US" sz="2000" dirty="0">
+              <a:rPr lang="en-US" sz="1600" dirty="0">
                 <a:latin typeface="Courier New" panose="02070309020205020404" pitchFamily="49" charset="0"/>
                 <a:cs typeface="Courier New" panose="02070309020205020404" pitchFamily="49" charset="0"/>
               </a:rPr>
               <a:t>", "</a:t>
             </a:r>
             <a:r>
-              <a:rPr lang="en-US" sz="2000" dirty="0" err="1">
+              <a:rPr lang="en-US" sz="1600" dirty="0" err="1">
+                <a:latin typeface="Courier New" panose="02070309020205020404" pitchFamily="49" charset="0"/>
+                <a:cs typeface="Courier New" panose="02070309020205020404" pitchFamily="49" charset="0"/>
+              </a:rPr>
+              <a:t>biomaRt</a:t>
+            </a:r>
+            <a:r>
+              <a:rPr lang="en-US" sz="1600" dirty="0">
+                <a:latin typeface="Courier New" panose="02070309020205020404" pitchFamily="49" charset="0"/>
+                <a:cs typeface="Courier New" panose="02070309020205020404" pitchFamily="49" charset="0"/>
+              </a:rPr>
+              <a:t>", "</a:t>
+            </a:r>
+            <a:r>
+              <a:rPr lang="en-US" sz="1600" dirty="0" err="1">
                 <a:latin typeface="Courier New" panose="02070309020205020404" pitchFamily="49" charset="0"/>
                 <a:cs typeface="Courier New" panose="02070309020205020404" pitchFamily="49" charset="0"/>
               </a:rPr>
               <a:t>limma</a:t>
             </a:r>
             <a:r>
-              <a:rPr lang="en-US" sz="2000" dirty="0">
-                <a:latin typeface="Courier New" panose="02070309020205020404" pitchFamily="49" charset="0"/>
-                <a:cs typeface="Courier New" panose="02070309020205020404" pitchFamily="49" charset="0"/>
-              </a:rPr>
-              <a:t>", "</a:t>
-            </a:r>
-            <a:r>
-              <a:rPr lang="en-US" sz="2000" dirty="0" err="1">
-                <a:latin typeface="Courier New" panose="02070309020205020404" pitchFamily="49" charset="0"/>
-                <a:cs typeface="Courier New" panose="02070309020205020404" pitchFamily="49" charset="0"/>
-              </a:rPr>
-              <a:t>biomaRt</a:t>
-            </a:r>
-            <a:r>
-              <a:rPr lang="en-US" sz="2000" dirty="0">
+              <a:rPr lang="en-US" sz="1600" dirty="0">
                 <a:latin typeface="Courier New" panose="02070309020205020404" pitchFamily="49" charset="0"/>
                 <a:cs typeface="Courier New" panose="02070309020205020404" pitchFamily="49" charset="0"/>
               </a:rPr>
@@ -6656,60 +6728,58 @@
             </a:r>
           </a:p>
           <a:p>
-            <a:pPr marL="466725" indent="0">
-              <a:buNone/>
-            </a:pPr>
-            <a:r>
-              <a:rPr lang="en-US" sz="2000" dirty="0" err="1">
+            <a:pPr lvl="1"/>
+            <a:r>
+              <a:rPr lang="en-US" sz="1600" dirty="0" err="1">
                 <a:latin typeface="Courier New" panose="02070309020205020404" pitchFamily="49" charset="0"/>
                 <a:cs typeface="Courier New" panose="02070309020205020404" pitchFamily="49" charset="0"/>
               </a:rPr>
               <a:t>devtools</a:t>
             </a:r>
             <a:r>
-              <a:rPr lang="en-US" sz="2000" dirty="0">
+              <a:rPr lang="en-US" sz="1600" dirty="0">
                 <a:latin typeface="Courier New" panose="02070309020205020404" pitchFamily="49" charset="0"/>
                 <a:cs typeface="Courier New" panose="02070309020205020404" pitchFamily="49" charset="0"/>
               </a:rPr>
               <a:t>::</a:t>
             </a:r>
             <a:r>
-              <a:rPr lang="en-US" sz="2000" dirty="0" err="1">
+              <a:rPr lang="en-US" sz="1600" dirty="0" err="1">
                 <a:latin typeface="Courier New" panose="02070309020205020404" pitchFamily="49" charset="0"/>
                 <a:cs typeface="Courier New" panose="02070309020205020404" pitchFamily="49" charset="0"/>
               </a:rPr>
               <a:t>install_github</a:t>
             </a:r>
             <a:r>
-              <a:rPr lang="en-US" sz="2000" dirty="0">
+              <a:rPr lang="en-US" sz="1600" dirty="0">
                 <a:latin typeface="Courier New" panose="02070309020205020404" pitchFamily="49" charset="0"/>
                 <a:cs typeface="Courier New" panose="02070309020205020404" pitchFamily="49" charset="0"/>
               </a:rPr>
               <a:t>("</a:t>
             </a:r>
             <a:r>
-              <a:rPr lang="en-US" sz="2000" dirty="0" err="1">
+              <a:rPr lang="en-US" sz="1600" dirty="0" err="1">
                 <a:latin typeface="Courier New" panose="02070309020205020404" pitchFamily="49" charset="0"/>
                 <a:cs typeface="Courier New" panose="02070309020205020404" pitchFamily="49" charset="0"/>
               </a:rPr>
               <a:t>BIGslu</a:t>
             </a:r>
             <a:r>
-              <a:rPr lang="en-US" sz="2000" dirty="0">
+              <a:rPr lang="en-US" sz="1600" dirty="0">
                 <a:latin typeface="Courier New" panose="02070309020205020404" pitchFamily="49" charset="0"/>
                 <a:cs typeface="Courier New" panose="02070309020205020404" pitchFamily="49" charset="0"/>
               </a:rPr>
               <a:t>/</a:t>
             </a:r>
             <a:r>
-              <a:rPr lang="en-US" sz="2000" dirty="0" err="1">
+              <a:rPr lang="en-US" sz="1600" dirty="0" err="1">
                 <a:latin typeface="Courier New" panose="02070309020205020404" pitchFamily="49" charset="0"/>
                 <a:cs typeface="Courier New" panose="02070309020205020404" pitchFamily="49" charset="0"/>
               </a:rPr>
               <a:t>RNAetc</a:t>
             </a:r>
             <a:r>
-              <a:rPr lang="en-US" sz="2000" dirty="0">
+              <a:rPr lang="en-US" sz="1600" dirty="0">
                 <a:latin typeface="Courier New" panose="02070309020205020404" pitchFamily="49" charset="0"/>
                 <a:cs typeface="Courier New" panose="02070309020205020404" pitchFamily="49" charset="0"/>
               </a:rPr>
@@ -6717,74 +6787,63 @@
             </a:r>
           </a:p>
           <a:p>
-            <a:pPr marL="466725" indent="0">
-              <a:buNone/>
-            </a:pPr>
-            <a:r>
-              <a:rPr lang="en-US" sz="2000" dirty="0" err="1">
+            <a:pPr lvl="1"/>
+            <a:r>
+              <a:rPr lang="en-US" sz="1600" dirty="0" err="1">
                 <a:latin typeface="Courier New" panose="02070309020205020404" pitchFamily="49" charset="0"/>
                 <a:cs typeface="Courier New" panose="02070309020205020404" pitchFamily="49" charset="0"/>
               </a:rPr>
               <a:t>devtools</a:t>
             </a:r>
             <a:r>
-              <a:rPr lang="en-US" sz="2000" dirty="0">
+              <a:rPr lang="en-US" sz="1600" dirty="0">
                 <a:latin typeface="Courier New" panose="02070309020205020404" pitchFamily="49" charset="0"/>
                 <a:cs typeface="Courier New" panose="02070309020205020404" pitchFamily="49" charset="0"/>
               </a:rPr>
               <a:t>::</a:t>
             </a:r>
             <a:r>
-              <a:rPr lang="en-US" sz="2000" dirty="0" err="1">
+              <a:rPr lang="en-US" sz="1600" dirty="0" err="1">
                 <a:latin typeface="Courier New" panose="02070309020205020404" pitchFamily="49" charset="0"/>
                 <a:cs typeface="Courier New" panose="02070309020205020404" pitchFamily="49" charset="0"/>
               </a:rPr>
               <a:t>install_github</a:t>
             </a:r>
             <a:r>
-              <a:rPr lang="en-US" sz="2000" dirty="0">
+              <a:rPr lang="en-US" sz="1600" dirty="0">
                 <a:latin typeface="Courier New" panose="02070309020205020404" pitchFamily="49" charset="0"/>
                 <a:cs typeface="Courier New" panose="02070309020205020404" pitchFamily="49" charset="0"/>
               </a:rPr>
               <a:t>("</a:t>
             </a:r>
             <a:r>
-              <a:rPr lang="en-US" sz="2000" dirty="0" err="1">
+              <a:rPr lang="en-US" sz="1600" dirty="0" err="1">
                 <a:latin typeface="Courier New" panose="02070309020205020404" pitchFamily="49" charset="0"/>
                 <a:cs typeface="Courier New" panose="02070309020205020404" pitchFamily="49" charset="0"/>
               </a:rPr>
               <a:t>BIGslu</a:t>
             </a:r>
             <a:r>
-              <a:rPr lang="en-US" sz="2000" dirty="0">
+              <a:rPr lang="en-US" sz="1600" dirty="0">
                 <a:latin typeface="Courier New" panose="02070309020205020404" pitchFamily="49" charset="0"/>
                 <a:cs typeface="Courier New" panose="02070309020205020404" pitchFamily="49" charset="0"/>
               </a:rPr>
               <a:t>/</a:t>
             </a:r>
             <a:r>
-              <a:rPr lang="en-US" sz="2000" dirty="0" err="1">
+              <a:rPr lang="en-US" sz="1600" dirty="0" err="1">
                 <a:latin typeface="Courier New" panose="02070309020205020404" pitchFamily="49" charset="0"/>
                 <a:cs typeface="Courier New" panose="02070309020205020404" pitchFamily="49" charset="0"/>
               </a:rPr>
               <a:t>kimma</a:t>
             </a:r>
             <a:r>
-              <a:rPr lang="en-US" sz="2000" dirty="0">
+              <a:rPr lang="en-US" sz="1600" dirty="0">
                 <a:latin typeface="Courier New" panose="02070309020205020404" pitchFamily="49" charset="0"/>
                 <a:cs typeface="Courier New" panose="02070309020205020404" pitchFamily="49" charset="0"/>
               </a:rPr>
               <a:t>")</a:t>
             </a:r>
-          </a:p>
-          <a:p>
-            <a:pPr marL="0" indent="0">
-              <a:buNone/>
-            </a:pPr>
-            <a:endParaRPr lang="en-US" dirty="0">
-              <a:latin typeface="Courier New" panose="02070309020205020404" pitchFamily="49" charset="0"/>
-              <a:cs typeface="Courier New" panose="02070309020205020404" pitchFamily="49" charset="0"/>
-            </a:endParaRPr>
           </a:p>
         </p:txBody>
       </p:sp>
@@ -6864,6 +6923,186 @@
         </p:nvSpPr>
         <p:spPr/>
         <p:txBody>
+          <a:bodyPr/>
+          <a:lstStyle/>
+          <a:p>
+            <a:pPr marL="0" indent="0">
+              <a:buNone/>
+            </a:pPr>
+            <a:endParaRPr lang="en-US" dirty="0"/>
+          </a:p>
+          <a:p>
+            <a:pPr marL="0" indent="0" algn="just">
+              <a:buNone/>
+            </a:pPr>
+            <a:r>
+              <a:rPr lang="en-US" dirty="0"/>
+              <a:t>Simmons JD, Dill-McFarland KA, </a:t>
+            </a:r>
+            <a:r>
+              <a:rPr lang="en-US" i="1" dirty="0"/>
+              <a:t>et al</a:t>
+            </a:r>
+            <a:r>
+              <a:rPr lang="en-US" dirty="0"/>
+              <a:t>. 2022. Monocyte transcriptional responses to </a:t>
+            </a:r>
+            <a:r>
+              <a:rPr lang="en-US" i="1" dirty="0"/>
+              <a:t>Mycobacterium tuberculosis</a:t>
+            </a:r>
+            <a:r>
+              <a:rPr lang="en-US" dirty="0"/>
+              <a:t> associate with resistance to tuberculin skin test and interferon gamma release assay conversion. </a:t>
+            </a:r>
+            <a:r>
+              <a:rPr lang="en-US" dirty="0" err="1"/>
+              <a:t>mSphere</a:t>
+            </a:r>
+            <a:r>
+              <a:rPr lang="en-US" dirty="0"/>
+              <a:t>. In press.</a:t>
+            </a:r>
+          </a:p>
+          <a:p>
+            <a:endParaRPr lang="en-US" dirty="0"/>
+          </a:p>
+          <a:p>
+            <a:pPr marL="0" indent="0">
+              <a:buNone/>
+            </a:pPr>
+            <a:r>
+              <a:rPr lang="en-US" dirty="0">
+                <a:solidFill>
+                  <a:srgbClr val="0070C0"/>
+                </a:solidFill>
+              </a:rPr>
+              <a:t>https://</a:t>
+            </a:r>
+            <a:r>
+              <a:rPr lang="en-US" dirty="0" err="1">
+                <a:solidFill>
+                  <a:srgbClr val="0070C0"/>
+                </a:solidFill>
+              </a:rPr>
+              <a:t>github.com</a:t>
+            </a:r>
+            <a:r>
+              <a:rPr lang="en-US" dirty="0">
+                <a:solidFill>
+                  <a:srgbClr val="0070C0"/>
+                </a:solidFill>
+              </a:rPr>
+              <a:t>/</a:t>
+            </a:r>
+            <a:r>
+              <a:rPr lang="en-US" dirty="0" err="1">
+                <a:solidFill>
+                  <a:srgbClr val="0070C0"/>
+                </a:solidFill>
+              </a:rPr>
+              <a:t>hawn</a:t>
+            </a:r>
+            <a:r>
+              <a:rPr lang="en-US" dirty="0">
+                <a:solidFill>
+                  <a:srgbClr val="0070C0"/>
+                </a:solidFill>
+              </a:rPr>
+              <a:t>-lab/</a:t>
+            </a:r>
+            <a:r>
+              <a:rPr lang="en-US" dirty="0" err="1">
+                <a:solidFill>
+                  <a:srgbClr val="0070C0"/>
+                </a:solidFill>
+              </a:rPr>
+              <a:t>RSTR_RNAseq_Mtb_public</a:t>
+            </a:r>
+            <a:endParaRPr lang="en-US" dirty="0">
+              <a:solidFill>
+                <a:srgbClr val="0070C0"/>
+              </a:solidFill>
+            </a:endParaRPr>
+          </a:p>
+        </p:txBody>
+      </p:sp>
+    </p:spTree>
+    <p:extLst>
+      <p:ext uri="{BB962C8B-B14F-4D97-AF65-F5344CB8AC3E}">
+        <p14:creationId xmlns:p14="http://schemas.microsoft.com/office/powerpoint/2010/main" val="4063691786"/>
+      </p:ext>
+    </p:extLst>
+  </p:cSld>
+  <p:clrMapOvr>
+    <a:masterClrMapping/>
+  </p:clrMapOvr>
+</p:sld>
+</file>
+
+<file path=ppt/slides/slide11.xml><?xml version="1.0" encoding="utf-8"?>
+<p:sld xmlns:a="http://schemas.openxmlformats.org/drawingml/2006/main" xmlns:r="http://schemas.openxmlformats.org/officeDocument/2006/relationships" xmlns:p="http://schemas.openxmlformats.org/presentationml/2006/main">
+  <p:cSld>
+    <p:spTree>
+      <p:nvGrpSpPr>
+        <p:cNvPr id="1" name=""/>
+        <p:cNvGrpSpPr/>
+        <p:nvPr/>
+      </p:nvGrpSpPr>
+      <p:grpSpPr>
+        <a:xfrm>
+          <a:off x="0" y="0"/>
+          <a:ext cx="0" cy="0"/>
+          <a:chOff x="0" y="0"/>
+          <a:chExt cx="0" cy="0"/>
+        </a:xfrm>
+      </p:grpSpPr>
+      <p:sp>
+        <p:nvSpPr>
+          <p:cNvPr id="2" name="Title 1">
+            <a:extLst>
+              <a:ext uri="{FF2B5EF4-FFF2-40B4-BE49-F238E27FC236}">
+                <a16:creationId xmlns:a16="http://schemas.microsoft.com/office/drawing/2014/main" id="{B36C652D-906E-27E6-F97F-55619D9EEB07}"/>
+              </a:ext>
+            </a:extLst>
+          </p:cNvPr>
+          <p:cNvSpPr>
+            <a:spLocks noGrp="1"/>
+          </p:cNvSpPr>
+          <p:nvPr>
+            <p:ph type="title"/>
+          </p:nvPr>
+        </p:nvSpPr>
+        <p:spPr/>
+        <p:txBody>
+          <a:bodyPr/>
+          <a:lstStyle/>
+          <a:p>
+            <a:r>
+              <a:rPr lang="en-US" dirty="0"/>
+              <a:t>Introduction to the data</a:t>
+            </a:r>
+          </a:p>
+        </p:txBody>
+      </p:sp>
+      <p:sp>
+        <p:nvSpPr>
+          <p:cNvPr id="3" name="Content Placeholder 2">
+            <a:extLst>
+              <a:ext uri="{FF2B5EF4-FFF2-40B4-BE49-F238E27FC236}">
+                <a16:creationId xmlns:a16="http://schemas.microsoft.com/office/drawing/2014/main" id="{BB9EEE7C-3BAD-6794-B760-7D5AE6CA5FA1}"/>
+              </a:ext>
+            </a:extLst>
+          </p:cNvPr>
+          <p:cNvSpPr>
+            <a:spLocks noGrp="1"/>
+          </p:cNvSpPr>
+          <p:nvPr>
+            <p:ph idx="1"/>
+          </p:nvPr>
+        </p:nvSpPr>
+        <p:spPr/>
+        <p:txBody>
           <a:bodyPr>
             <a:normAutofit/>
           </a:bodyPr>
@@ -6940,7 +7179,7 @@
 </p:sld>
 </file>
 
-<file path=ppt/slides/slide11.xml><?xml version="1.0" encoding="utf-8"?>
+<file path=ppt/slides/slide12.xml><?xml version="1.0" encoding="utf-8"?>
 <p:sld xmlns:a="http://schemas.openxmlformats.org/drawingml/2006/main" xmlns:r="http://schemas.openxmlformats.org/officeDocument/2006/relationships" xmlns:p="http://schemas.openxmlformats.org/presentationml/2006/main">
   <p:cSld>
     <p:spTree>
@@ -7034,7 +7273,7 @@
 </p:sld>
 </file>
 
-<file path=ppt/slides/slide12.xml><?xml version="1.0" encoding="utf-8"?>
+<file path=ppt/slides/slide13.xml><?xml version="1.0" encoding="utf-8"?>
 <p:sld xmlns:a="http://schemas.openxmlformats.org/drawingml/2006/main" xmlns:r="http://schemas.openxmlformats.org/officeDocument/2006/relationships" xmlns:p="http://schemas.openxmlformats.org/presentationml/2006/main">
   <p:cSld>
     <p:spTree>
@@ -10627,7 +10866,7 @@
 </p:sld>
 </file>
 
-<file path=ppt/slides/slide13.xml><?xml version="1.0" encoding="utf-8"?>
+<file path=ppt/slides/slide14.xml><?xml version="1.0" encoding="utf-8"?>
 <p:sld xmlns:a="http://schemas.openxmlformats.org/drawingml/2006/main" xmlns:r="http://schemas.openxmlformats.org/officeDocument/2006/relationships" xmlns:p="http://schemas.openxmlformats.org/presentationml/2006/main">
   <p:cSld>
     <p:spTree>
@@ -13946,7 +14185,9 @@
         </p:nvSpPr>
         <p:spPr/>
         <p:txBody>
-          <a:bodyPr/>
+          <a:bodyPr>
+            <a:normAutofit lnSpcReduction="10000"/>
+          </a:bodyPr>
           <a:lstStyle/>
           <a:p>
             <a:r>
@@ -13972,6 +14213,12 @@
             <a:r>
               <a:rPr lang="en-US" dirty="0"/>
               <a:t>Holly Hartman (she/her)</a:t>
+            </a:r>
+          </a:p>
+          <a:p>
+            <a:r>
+              <a:rPr lang="en-US" dirty="0"/>
+              <a:t>Candace Williams (she/her)</a:t>
             </a:r>
           </a:p>
         </p:txBody>
@@ -15075,7 +15322,16 @@
           <a:p>
             <a:r>
               <a:rPr lang="en-US" dirty="0"/>
-              <a:t>Use Zoom chat for reactions and comments</a:t>
+              <a:t>Use Zoom chat for reactions and comments,</a:t>
+            </a:r>
+          </a:p>
+          <a:p>
+            <a:pPr marL="236538" indent="0">
+              <a:buNone/>
+            </a:pPr>
+            <a:r>
+              <a:rPr lang="en-US" dirty="0"/>
+              <a:t>NOT for questions</a:t>
             </a:r>
           </a:p>
           <a:p>
@@ -15192,7 +15448,7 @@
         <p:spPr>
           <a:xfrm>
             <a:off x="838200" y="1690688"/>
-            <a:ext cx="10515600" cy="4486275"/>
+            <a:ext cx="7219950" cy="4486275"/>
           </a:xfrm>
         </p:spPr>
         <p:txBody>
@@ -15210,19 +15466,32 @@
             <a:endParaRPr lang="en-US" dirty="0"/>
           </a:p>
           <a:p>
-            <a:endParaRPr lang="en-US" dirty="0"/>
-          </a:p>
-          <a:p>
-            <a:endParaRPr lang="en-US" dirty="0"/>
-          </a:p>
-          <a:p>
             <a:r>
               <a:rPr lang="en-US" dirty="0"/>
-              <a:t>Write in the Slack channel #questions</a:t>
-            </a:r>
-          </a:p>
-          <a:p>
-            <a:endParaRPr lang="en-US" dirty="0"/>
+              <a:t>Write in the Slack channel </a:t>
+            </a:r>
+            <a:r>
+              <a:rPr lang="en-US" dirty="0">
+                <a:solidFill>
+                  <a:srgbClr val="FF0000"/>
+                </a:solidFill>
+              </a:rPr>
+              <a:t>#questions</a:t>
+            </a:r>
+          </a:p>
+          <a:p>
+            <a:pPr lvl="1"/>
+            <a:r>
+              <a:rPr lang="en-US" dirty="0"/>
+              <a:t>Once an instructor is working on it, you will see ✍🏻</a:t>
+            </a:r>
+          </a:p>
+          <a:p>
+            <a:pPr lvl="1"/>
+            <a:r>
+              <a:rPr lang="en-US" dirty="0"/>
+              <a:t>Once it is complete, you will see ✅</a:t>
+            </a:r>
           </a:p>
           <a:p>
             <a:endParaRPr lang="en-US" dirty="0"/>
@@ -15235,35 +15504,6 @@
           </a:p>
         </p:txBody>
       </p:sp>
-      <p:pic>
-        <p:nvPicPr>
-          <p:cNvPr id="5" name="Picture 4">
-            <a:extLst>
-              <a:ext uri="{FF2B5EF4-FFF2-40B4-BE49-F238E27FC236}">
-                <a16:creationId xmlns:a16="http://schemas.microsoft.com/office/drawing/2014/main" id="{563450CE-2BAA-4C4C-276B-8B151BB7EC89}"/>
-              </a:ext>
-            </a:extLst>
-          </p:cNvPr>
-          <p:cNvPicPr>
-            <a:picLocks noChangeAspect="1"/>
-          </p:cNvPicPr>
-          <p:nvPr/>
-        </p:nvPicPr>
-        <p:blipFill rotWithShape="1">
-          <a:blip r:embed="rId2"/>
-          <a:srcRect l="57123"/>
-          <a:stretch/>
-        </p:blipFill>
-        <p:spPr>
-          <a:xfrm>
-            <a:off x="1186904" y="2161438"/>
-            <a:ext cx="3278371" cy="1267562"/>
-          </a:xfrm>
-          <a:prstGeom prst="rect">
-            <a:avLst/>
-          </a:prstGeom>
-        </p:spPr>
-      </p:pic>
       <p:pic>
         <p:nvPicPr>
           <p:cNvPr id="11" name="Picture 10">
@@ -15279,14 +15519,44 @@
           <p:nvPr/>
         </p:nvPicPr>
         <p:blipFill rotWithShape="1">
-          <a:blip r:embed="rId3"/>
+          <a:blip r:embed="rId2"/>
           <a:srcRect b="13629"/>
           <a:stretch/>
         </p:blipFill>
         <p:spPr>
           <a:xfrm>
-            <a:off x="6752816" y="2303562"/>
-            <a:ext cx="1595030" cy="2863750"/>
+            <a:off x="8421596" y="2679568"/>
+            <a:ext cx="1808254" cy="3246577"/>
+          </a:xfrm>
+          <a:prstGeom prst="rect">
+            <a:avLst/>
+          </a:prstGeom>
+        </p:spPr>
+      </p:pic>
+      <p:pic>
+        <p:nvPicPr>
+          <p:cNvPr id="6" name="Picture 5">
+            <a:extLst>
+              <a:ext uri="{FF2B5EF4-FFF2-40B4-BE49-F238E27FC236}">
+                <a16:creationId xmlns:a16="http://schemas.microsoft.com/office/drawing/2014/main" id="{0A9E1454-9002-BBE9-041F-B3282C05D969}"/>
+              </a:ext>
+            </a:extLst>
+          </p:cNvPr>
+          <p:cNvPicPr>
+            <a:picLocks noChangeAspect="1"/>
+          </p:cNvPicPr>
+          <p:nvPr/>
+        </p:nvPicPr>
+        <p:blipFill>
+          <a:blip r:embed="rId3"/>
+          <a:stretch>
+            <a:fillRect/>
+          </a:stretch>
+        </p:blipFill>
+        <p:spPr>
+          <a:xfrm>
+            <a:off x="8058150" y="952625"/>
+            <a:ext cx="3451860" cy="1476125"/>
           </a:xfrm>
           <a:prstGeom prst="rect">
             <a:avLst/>
@@ -15307,6 +15577,168 @@
 </file>
 
 <file path=ppt/slides/slide7.xml><?xml version="1.0" encoding="utf-8"?>
+<p:sld xmlns:a="http://schemas.openxmlformats.org/drawingml/2006/main" xmlns:r="http://schemas.openxmlformats.org/officeDocument/2006/relationships" xmlns:p="http://schemas.openxmlformats.org/presentationml/2006/main">
+  <p:cSld>
+    <p:spTree>
+      <p:nvGrpSpPr>
+        <p:cNvPr id="1" name=""/>
+        <p:cNvGrpSpPr/>
+        <p:nvPr/>
+      </p:nvGrpSpPr>
+      <p:grpSpPr>
+        <a:xfrm>
+          <a:off x="0" y="0"/>
+          <a:ext cx="0" cy="0"/>
+          <a:chOff x="0" y="0"/>
+          <a:chExt cx="0" cy="0"/>
+        </a:xfrm>
+      </p:grpSpPr>
+      <p:sp>
+        <p:nvSpPr>
+          <p:cNvPr id="2" name="Title 1">
+            <a:extLst>
+              <a:ext uri="{FF2B5EF4-FFF2-40B4-BE49-F238E27FC236}">
+                <a16:creationId xmlns:a16="http://schemas.microsoft.com/office/drawing/2014/main" id="{ADD310E4-C569-A8E5-ED8C-07832497C90C}"/>
+              </a:ext>
+            </a:extLst>
+          </p:cNvPr>
+          <p:cNvSpPr>
+            <a:spLocks noGrp="1"/>
+          </p:cNvSpPr>
+          <p:nvPr>
+            <p:ph type="title"/>
+          </p:nvPr>
+        </p:nvSpPr>
+        <p:spPr/>
+        <p:txBody>
+          <a:bodyPr/>
+          <a:lstStyle/>
+          <a:p>
+            <a:r>
+              <a:rPr lang="en-US" dirty="0"/>
+              <a:t>Instructors checking in</a:t>
+            </a:r>
+          </a:p>
+        </p:txBody>
+      </p:sp>
+      <p:sp>
+        <p:nvSpPr>
+          <p:cNvPr id="3" name="Content Placeholder 2">
+            <a:extLst>
+              <a:ext uri="{FF2B5EF4-FFF2-40B4-BE49-F238E27FC236}">
+                <a16:creationId xmlns:a16="http://schemas.microsoft.com/office/drawing/2014/main" id="{91DFC8D2-B5DB-1533-4C93-5A461A07829A}"/>
+              </a:ext>
+            </a:extLst>
+          </p:cNvPr>
+          <p:cNvSpPr>
+            <a:spLocks noGrp="1"/>
+          </p:cNvSpPr>
+          <p:nvPr>
+            <p:ph idx="1"/>
+          </p:nvPr>
+        </p:nvSpPr>
+        <p:spPr>
+          <a:xfrm>
+            <a:off x="838200" y="1690688"/>
+            <a:ext cx="10515600" cy="4486275"/>
+          </a:xfrm>
+        </p:spPr>
+        <p:txBody>
+          <a:bodyPr>
+            <a:normAutofit/>
+          </a:bodyPr>
+          <a:lstStyle/>
+          <a:p>
+            <a:r>
+              <a:rPr lang="en-US" dirty="0"/>
+              <a:t>We will periodically check in to see if we can move to the next section</a:t>
+            </a:r>
+          </a:p>
+          <a:p>
+            <a:r>
+              <a:rPr lang="en-US" dirty="0"/>
+              <a:t>Use Zoom reactions to let us know</a:t>
+            </a:r>
+          </a:p>
+          <a:p>
+            <a:pPr lvl="1"/>
+            <a:r>
+              <a:rPr lang="en-US" dirty="0"/>
+              <a:t>✅ You are ready to move on</a:t>
+            </a:r>
+          </a:p>
+          <a:p>
+            <a:pPr lvl="1"/>
+            <a:r>
+              <a:rPr lang="en-US" dirty="0"/>
+              <a:t>❌ You need more time or have an error</a:t>
+            </a:r>
+          </a:p>
+          <a:p>
+            <a:pPr lvl="1"/>
+            <a:r>
+              <a:rPr lang="en-US" dirty="0"/>
+              <a:t>If you have an error or question, be sure to ask in the </a:t>
+            </a:r>
+            <a:r>
+              <a:rPr lang="en-US" dirty="0">
+                <a:solidFill>
+                  <a:srgbClr val="FF0000"/>
+                </a:solidFill>
+              </a:rPr>
+              <a:t>#questions </a:t>
+            </a:r>
+            <a:r>
+              <a:rPr lang="en-US" dirty="0"/>
+              <a:t>Slack channel!</a:t>
+            </a:r>
+          </a:p>
+        </p:txBody>
+      </p:sp>
+      <p:pic>
+        <p:nvPicPr>
+          <p:cNvPr id="8" name="Picture 7">
+            <a:extLst>
+              <a:ext uri="{FF2B5EF4-FFF2-40B4-BE49-F238E27FC236}">
+                <a16:creationId xmlns:a16="http://schemas.microsoft.com/office/drawing/2014/main" id="{1F45C2EE-6728-55CE-9AC6-CB5D501DD210}"/>
+              </a:ext>
+            </a:extLst>
+          </p:cNvPr>
+          <p:cNvPicPr>
+            <a:picLocks noChangeAspect="1"/>
+          </p:cNvPicPr>
+          <p:nvPr/>
+        </p:nvPicPr>
+        <p:blipFill>
+          <a:blip r:embed="rId2"/>
+          <a:stretch>
+            <a:fillRect/>
+          </a:stretch>
+        </p:blipFill>
+        <p:spPr>
+          <a:xfrm>
+            <a:off x="3552825" y="4203491"/>
+            <a:ext cx="5086350" cy="2175084"/>
+          </a:xfrm>
+          <a:prstGeom prst="rect">
+            <a:avLst/>
+          </a:prstGeom>
+        </p:spPr>
+      </p:pic>
+    </p:spTree>
+    <p:extLst>
+      <p:ext uri="{BB962C8B-B14F-4D97-AF65-F5344CB8AC3E}">
+        <p14:creationId xmlns:p14="http://schemas.microsoft.com/office/powerpoint/2010/main" val="3643366479"/>
+      </p:ext>
+    </p:extLst>
+  </p:cSld>
+  <p:clrMapOvr>
+    <a:masterClrMapping/>
+  </p:clrMapOvr>
+</p:sld>
+</file>
+
+<file path=ppt/slides/slide8.xml><?xml version="1.0" encoding="utf-8"?>
 <p:sld xmlns:a="http://schemas.openxmlformats.org/drawingml/2006/main" xmlns:r="http://schemas.openxmlformats.org/officeDocument/2006/relationships" xmlns:p="http://schemas.openxmlformats.org/presentationml/2006/main">
   <p:cSld>
     <p:spTree>
@@ -15440,7 +15872,7 @@
 </p:sld>
 </file>
 
-<file path=ppt/slides/slide8.xml><?xml version="1.0" encoding="utf-8"?>
+<file path=ppt/slides/slide9.xml><?xml version="1.0" encoding="utf-8"?>
 <p:sld xmlns:a="http://schemas.openxmlformats.org/drawingml/2006/main" xmlns:r="http://schemas.openxmlformats.org/officeDocument/2006/relationships" xmlns:p="http://schemas.openxmlformats.org/presentationml/2006/main">
   <p:cSld>
     <p:spTree>
@@ -15602,186 +16034,6 @@
     <p:extLst>
       <p:ext uri="{BB962C8B-B14F-4D97-AF65-F5344CB8AC3E}">
         <p14:creationId xmlns:p14="http://schemas.microsoft.com/office/powerpoint/2010/main" val="663214049"/>
-      </p:ext>
-    </p:extLst>
-  </p:cSld>
-  <p:clrMapOvr>
-    <a:masterClrMapping/>
-  </p:clrMapOvr>
-</p:sld>
-</file>
-
-<file path=ppt/slides/slide9.xml><?xml version="1.0" encoding="utf-8"?>
-<p:sld xmlns:a="http://schemas.openxmlformats.org/drawingml/2006/main" xmlns:r="http://schemas.openxmlformats.org/officeDocument/2006/relationships" xmlns:p="http://schemas.openxmlformats.org/presentationml/2006/main">
-  <p:cSld>
-    <p:spTree>
-      <p:nvGrpSpPr>
-        <p:cNvPr id="1" name=""/>
-        <p:cNvGrpSpPr/>
-        <p:nvPr/>
-      </p:nvGrpSpPr>
-      <p:grpSpPr>
-        <a:xfrm>
-          <a:off x="0" y="0"/>
-          <a:ext cx="0" cy="0"/>
-          <a:chOff x="0" y="0"/>
-          <a:chExt cx="0" cy="0"/>
-        </a:xfrm>
-      </p:grpSpPr>
-      <p:sp>
-        <p:nvSpPr>
-          <p:cNvPr id="2" name="Title 1">
-            <a:extLst>
-              <a:ext uri="{FF2B5EF4-FFF2-40B4-BE49-F238E27FC236}">
-                <a16:creationId xmlns:a16="http://schemas.microsoft.com/office/drawing/2014/main" id="{B36C652D-906E-27E6-F97F-55619D9EEB07}"/>
-              </a:ext>
-            </a:extLst>
-          </p:cNvPr>
-          <p:cNvSpPr>
-            <a:spLocks noGrp="1"/>
-          </p:cNvSpPr>
-          <p:nvPr>
-            <p:ph type="title"/>
-          </p:nvPr>
-        </p:nvSpPr>
-        <p:spPr/>
-        <p:txBody>
-          <a:bodyPr/>
-          <a:lstStyle/>
-          <a:p>
-            <a:r>
-              <a:rPr lang="en-US" dirty="0"/>
-              <a:t>Introduction to the data</a:t>
-            </a:r>
-          </a:p>
-        </p:txBody>
-      </p:sp>
-      <p:sp>
-        <p:nvSpPr>
-          <p:cNvPr id="3" name="Content Placeholder 2">
-            <a:extLst>
-              <a:ext uri="{FF2B5EF4-FFF2-40B4-BE49-F238E27FC236}">
-                <a16:creationId xmlns:a16="http://schemas.microsoft.com/office/drawing/2014/main" id="{BB9EEE7C-3BAD-6794-B760-7D5AE6CA5FA1}"/>
-              </a:ext>
-            </a:extLst>
-          </p:cNvPr>
-          <p:cNvSpPr>
-            <a:spLocks noGrp="1"/>
-          </p:cNvSpPr>
-          <p:nvPr>
-            <p:ph idx="1"/>
-          </p:nvPr>
-        </p:nvSpPr>
-        <p:spPr/>
-        <p:txBody>
-          <a:bodyPr/>
-          <a:lstStyle/>
-          <a:p>
-            <a:pPr marL="0" indent="0">
-              <a:buNone/>
-            </a:pPr>
-            <a:endParaRPr lang="en-US" dirty="0"/>
-          </a:p>
-          <a:p>
-            <a:pPr marL="0" indent="0" algn="just">
-              <a:buNone/>
-            </a:pPr>
-            <a:r>
-              <a:rPr lang="en-US" dirty="0"/>
-              <a:t>Simmons JD, Dill-McFarland KA, </a:t>
-            </a:r>
-            <a:r>
-              <a:rPr lang="en-US" i="1" dirty="0"/>
-              <a:t>et al</a:t>
-            </a:r>
-            <a:r>
-              <a:rPr lang="en-US" dirty="0"/>
-              <a:t>. 2022. Monocyte transcriptional responses to </a:t>
-            </a:r>
-            <a:r>
-              <a:rPr lang="en-US" i="1" dirty="0"/>
-              <a:t>Mycobacterium tuberculosis</a:t>
-            </a:r>
-            <a:r>
-              <a:rPr lang="en-US" dirty="0"/>
-              <a:t> associate with resistance to tuberculin skin test and interferon gamma release assay conversion. </a:t>
-            </a:r>
-            <a:r>
-              <a:rPr lang="en-US" dirty="0" err="1"/>
-              <a:t>mSphere</a:t>
-            </a:r>
-            <a:r>
-              <a:rPr lang="en-US" dirty="0"/>
-              <a:t>. In press.</a:t>
-            </a:r>
-          </a:p>
-          <a:p>
-            <a:endParaRPr lang="en-US" dirty="0"/>
-          </a:p>
-          <a:p>
-            <a:pPr marL="0" indent="0">
-              <a:buNone/>
-            </a:pPr>
-            <a:r>
-              <a:rPr lang="en-US" dirty="0">
-                <a:solidFill>
-                  <a:srgbClr val="0070C0"/>
-                </a:solidFill>
-              </a:rPr>
-              <a:t>https://</a:t>
-            </a:r>
-            <a:r>
-              <a:rPr lang="en-US" dirty="0" err="1">
-                <a:solidFill>
-                  <a:srgbClr val="0070C0"/>
-                </a:solidFill>
-              </a:rPr>
-              <a:t>github.com</a:t>
-            </a:r>
-            <a:r>
-              <a:rPr lang="en-US" dirty="0">
-                <a:solidFill>
-                  <a:srgbClr val="0070C0"/>
-                </a:solidFill>
-              </a:rPr>
-              <a:t>/</a:t>
-            </a:r>
-            <a:r>
-              <a:rPr lang="en-US" dirty="0" err="1">
-                <a:solidFill>
-                  <a:srgbClr val="0070C0"/>
-                </a:solidFill>
-              </a:rPr>
-              <a:t>hawn</a:t>
-            </a:r>
-            <a:r>
-              <a:rPr lang="en-US" dirty="0">
-                <a:solidFill>
-                  <a:srgbClr val="0070C0"/>
-                </a:solidFill>
-              </a:rPr>
-              <a:t>-lab/</a:t>
-            </a:r>
-            <a:r>
-              <a:rPr lang="en-US" dirty="0" err="1">
-                <a:solidFill>
-                  <a:srgbClr val="0070C0"/>
-                </a:solidFill>
-              </a:rPr>
-              <a:t>RSTR_RNAseq_Mtb_public</a:t>
-            </a:r>
-            <a:endParaRPr lang="en-US" dirty="0">
-              <a:solidFill>
-                <a:srgbClr val="0070C0"/>
-              </a:solidFill>
-            </a:endParaRPr>
-          </a:p>
-        </p:txBody>
-      </p:sp>
-    </p:spTree>
-    <p:extLst>
-      <p:ext uri="{BB962C8B-B14F-4D97-AF65-F5344CB8AC3E}">
-        <p14:creationId xmlns:p14="http://schemas.microsoft.com/office/powerpoint/2010/main" val="4063691786"/>
       </p:ext>
     </p:extLst>
   </p:cSld>

--- a/0_welcome/welcome.pptx
+++ b/0_welcome/welcome.pptx
@@ -12,13 +12,14 @@
     <p:sldId id="259" r:id="rId6"/>
     <p:sldId id="263" r:id="rId7"/>
     <p:sldId id="270" r:id="rId8"/>
-    <p:sldId id="261" r:id="rId9"/>
-    <p:sldId id="269" r:id="rId10"/>
-    <p:sldId id="264" r:id="rId11"/>
-    <p:sldId id="268" r:id="rId12"/>
-    <p:sldId id="265" r:id="rId13"/>
-    <p:sldId id="266" r:id="rId14"/>
-    <p:sldId id="267" r:id="rId15"/>
+    <p:sldId id="271" r:id="rId9"/>
+    <p:sldId id="261" r:id="rId10"/>
+    <p:sldId id="269" r:id="rId11"/>
+    <p:sldId id="264" r:id="rId12"/>
+    <p:sldId id="268" r:id="rId13"/>
+    <p:sldId id="265" r:id="rId14"/>
+    <p:sldId id="266" r:id="rId15"/>
+    <p:sldId id="267" r:id="rId16"/>
   </p:sldIdLst>
   <p:sldSz cx="12192000" cy="6858000"/>
   <p:notesSz cx="6858000" cy="9144000"/>
@@ -3361,7 +3362,7 @@
           <a:p>
             <a:fld id="{88E640F0-257D-0F49-B2E6-A4C31CE005C4}" type="datetimeFigureOut">
               <a:rPr lang="en-US" smtClean="0"/>
-              <a:t>5/27/22</a:t>
+              <a:t>5/31/22</a:t>
             </a:fld>
             <a:endParaRPr lang="en-US"/>
           </a:p>
@@ -3559,7 +3560,7 @@
           <a:p>
             <a:fld id="{88E640F0-257D-0F49-B2E6-A4C31CE005C4}" type="datetimeFigureOut">
               <a:rPr lang="en-US" smtClean="0"/>
-              <a:t>5/27/22</a:t>
+              <a:t>5/31/22</a:t>
             </a:fld>
             <a:endParaRPr lang="en-US"/>
           </a:p>
@@ -3767,7 +3768,7 @@
           <a:p>
             <a:fld id="{88E640F0-257D-0F49-B2E6-A4C31CE005C4}" type="datetimeFigureOut">
               <a:rPr lang="en-US" smtClean="0"/>
-              <a:t>5/27/22</a:t>
+              <a:t>5/31/22</a:t>
             </a:fld>
             <a:endParaRPr lang="en-US"/>
           </a:p>
@@ -3965,7 +3966,7 @@
           <a:p>
             <a:fld id="{88E640F0-257D-0F49-B2E6-A4C31CE005C4}" type="datetimeFigureOut">
               <a:rPr lang="en-US" smtClean="0"/>
-              <a:t>5/27/22</a:t>
+              <a:t>5/31/22</a:t>
             </a:fld>
             <a:endParaRPr lang="en-US"/>
           </a:p>
@@ -4240,7 +4241,7 @@
           <a:p>
             <a:fld id="{88E640F0-257D-0F49-B2E6-A4C31CE005C4}" type="datetimeFigureOut">
               <a:rPr lang="en-US" smtClean="0"/>
-              <a:t>5/27/22</a:t>
+              <a:t>5/31/22</a:t>
             </a:fld>
             <a:endParaRPr lang="en-US"/>
           </a:p>
@@ -4505,7 +4506,7 @@
           <a:p>
             <a:fld id="{88E640F0-257D-0F49-B2E6-A4C31CE005C4}" type="datetimeFigureOut">
               <a:rPr lang="en-US" smtClean="0"/>
-              <a:t>5/27/22</a:t>
+              <a:t>5/31/22</a:t>
             </a:fld>
             <a:endParaRPr lang="en-US"/>
           </a:p>
@@ -4917,7 +4918,7 @@
           <a:p>
             <a:fld id="{88E640F0-257D-0F49-B2E6-A4C31CE005C4}" type="datetimeFigureOut">
               <a:rPr lang="en-US" smtClean="0"/>
-              <a:t>5/27/22</a:t>
+              <a:t>5/31/22</a:t>
             </a:fld>
             <a:endParaRPr lang="en-US"/>
           </a:p>
@@ -5058,7 +5059,7 @@
           <a:p>
             <a:fld id="{88E640F0-257D-0F49-B2E6-A4C31CE005C4}" type="datetimeFigureOut">
               <a:rPr lang="en-US" smtClean="0"/>
-              <a:t>5/27/22</a:t>
+              <a:t>5/31/22</a:t>
             </a:fld>
             <a:endParaRPr lang="en-US"/>
           </a:p>
@@ -5171,7 +5172,7 @@
           <a:p>
             <a:fld id="{88E640F0-257D-0F49-B2E6-A4C31CE005C4}" type="datetimeFigureOut">
               <a:rPr lang="en-US" smtClean="0"/>
-              <a:t>5/27/22</a:t>
+              <a:t>5/31/22</a:t>
             </a:fld>
             <a:endParaRPr lang="en-US"/>
           </a:p>
@@ -5482,7 +5483,7 @@
           <a:p>
             <a:fld id="{88E640F0-257D-0F49-B2E6-A4C31CE005C4}" type="datetimeFigureOut">
               <a:rPr lang="en-US" smtClean="0"/>
-              <a:t>5/27/22</a:t>
+              <a:t>5/31/22</a:t>
             </a:fld>
             <a:endParaRPr lang="en-US"/>
           </a:p>
@@ -5770,7 +5771,7 @@
           <a:p>
             <a:fld id="{88E640F0-257D-0F49-B2E6-A4C31CE005C4}" type="datetimeFigureOut">
               <a:rPr lang="en-US" smtClean="0"/>
-              <a:t>5/27/22</a:t>
+              <a:t>5/31/22</a:t>
             </a:fld>
             <a:endParaRPr lang="en-US"/>
           </a:p>
@@ -6011,7 +6012,7 @@
           <a:p>
             <a:fld id="{88E640F0-257D-0F49-B2E6-A4C31CE005C4}" type="datetimeFigureOut">
               <a:rPr lang="en-US" smtClean="0"/>
-              <a:t>5/27/22</a:t>
+              <a:t>5/31/22</a:t>
             </a:fld>
             <a:endParaRPr lang="en-US"/>
           </a:p>
@@ -6882,7 +6883,7 @@
           <p:cNvPr id="2" name="Title 1">
             <a:extLst>
               <a:ext uri="{FF2B5EF4-FFF2-40B4-BE49-F238E27FC236}">
-                <a16:creationId xmlns:a16="http://schemas.microsoft.com/office/drawing/2014/main" id="{B36C652D-906E-27E6-F97F-55619D9EEB07}"/>
+                <a16:creationId xmlns:a16="http://schemas.microsoft.com/office/drawing/2014/main" id="{417E45D5-7E1C-B9FA-5657-770AF5202CE1}"/>
               </a:ext>
             </a:extLst>
           </p:cNvPr>
@@ -6900,7 +6901,7 @@
           <a:p>
             <a:r>
               <a:rPr lang="en-US" dirty="0"/>
-              <a:t>Introduction to the data</a:t>
+              <a:t>Motivation</a:t>
             </a:r>
           </a:p>
         </p:txBody>
@@ -6910,7 +6911,7 @@
           <p:cNvPr id="3" name="Content Placeholder 2">
             <a:extLst>
               <a:ext uri="{FF2B5EF4-FFF2-40B4-BE49-F238E27FC236}">
-                <a16:creationId xmlns:a16="http://schemas.microsoft.com/office/drawing/2014/main" id="{BB9EEE7C-3BAD-6794-B760-7D5AE6CA5FA1}"/>
+                <a16:creationId xmlns:a16="http://schemas.microsoft.com/office/drawing/2014/main" id="{36750D50-6651-6B3A-FD36-B6634E166753}"/>
               </a:ext>
             </a:extLst>
           </p:cNvPr>
@@ -6921,116 +6922,107 @@
             <p:ph idx="1"/>
           </p:nvPr>
         </p:nvSpPr>
-        <p:spPr/>
+        <p:spPr>
+          <a:xfrm>
+            <a:off x="838200" y="1690687"/>
+            <a:ext cx="10515600" cy="4802187"/>
+          </a:xfrm>
+        </p:spPr>
         <p:txBody>
-          <a:bodyPr/>
+          <a:bodyPr>
+            <a:normAutofit/>
+          </a:bodyPr>
           <a:lstStyle/>
           <a:p>
-            <a:pPr marL="0" indent="0">
-              <a:buNone/>
-            </a:pPr>
+            <a:r>
+              <a:rPr lang="en-US" dirty="0"/>
+              <a:t>Why write code?</a:t>
+            </a:r>
+          </a:p>
+          <a:p>
+            <a:pPr lvl="1"/>
+            <a:r>
+              <a:rPr lang="en-US" dirty="0"/>
+              <a:t>More reproducible (scripts!)</a:t>
+            </a:r>
+          </a:p>
+          <a:p>
+            <a:pPr lvl="1"/>
+            <a:r>
+              <a:rPr lang="en-US" dirty="0"/>
+              <a:t>Customization and control</a:t>
+            </a:r>
+          </a:p>
+          <a:p>
+            <a:pPr lvl="1"/>
+            <a:r>
+              <a:rPr lang="en-US" dirty="0"/>
+              <a:t>Access high-performance and high-throughput resources</a:t>
+            </a:r>
+          </a:p>
+          <a:p>
             <a:endParaRPr lang="en-US" dirty="0"/>
           </a:p>
           <a:p>
-            <a:pPr marL="0" indent="0" algn="just">
-              <a:buNone/>
-            </a:pPr>
             <a:r>
               <a:rPr lang="en-US" dirty="0"/>
-              <a:t>Simmons JD, Dill-McFarland KA, </a:t>
-            </a:r>
-            <a:r>
-              <a:rPr lang="en-US" i="1" dirty="0"/>
-              <a:t>et al</a:t>
-            </a:r>
+              <a:t>Why R?</a:t>
+            </a:r>
+          </a:p>
+          <a:p>
+            <a:pPr lvl="1"/>
             <a:r>
               <a:rPr lang="en-US" dirty="0"/>
-              <a:t>. 2022. Monocyte transcriptional responses to </a:t>
-            </a:r>
-            <a:r>
-              <a:rPr lang="en-US" i="1" dirty="0"/>
-              <a:t>Mycobacterium tuberculosis</a:t>
-            </a:r>
+              <a:t>Open-source and free</a:t>
+            </a:r>
+          </a:p>
+          <a:p>
+            <a:pPr lvl="1"/>
             <a:r>
               <a:rPr lang="en-US" dirty="0"/>
-              <a:t> associate with resistance to tuberculin skin test and interferon gamma release assay conversion. </a:t>
+              <a:t>Supportive community</a:t>
+            </a:r>
+          </a:p>
+          <a:p>
+            <a:pPr lvl="1"/>
+            <a:r>
+              <a:rPr lang="en-US" dirty="0"/>
+              <a:t>Statistical foundation</a:t>
+            </a:r>
+          </a:p>
+          <a:p>
+            <a:pPr lvl="1"/>
+            <a:r>
+              <a:rPr lang="en-US" dirty="0"/>
+              <a:t>Well-documented and popular packages for </a:t>
             </a:r>
             <a:r>
               <a:rPr lang="en-US" dirty="0" err="1"/>
-              <a:t>mSphere</a:t>
-            </a:r>
+              <a:t>RNAseq</a:t>
+            </a:r>
+            <a:endParaRPr lang="en-US" dirty="0"/>
+          </a:p>
+          <a:p>
+            <a:pPr lvl="1"/>
             <a:r>
               <a:rPr lang="en-US" dirty="0"/>
-              <a:t>. In press.</a:t>
-            </a:r>
-          </a:p>
-          <a:p>
-            <a:endParaRPr lang="en-US" dirty="0"/>
-          </a:p>
-          <a:p>
-            <a:pPr marL="0" indent="0">
-              <a:buNone/>
-            </a:pPr>
-            <a:r>
-              <a:rPr lang="en-US" dirty="0">
-                <a:solidFill>
-                  <a:srgbClr val="0070C0"/>
-                </a:solidFill>
-              </a:rPr>
-              <a:t>https://</a:t>
-            </a:r>
-            <a:r>
-              <a:rPr lang="en-US" dirty="0" err="1">
-                <a:solidFill>
-                  <a:srgbClr val="0070C0"/>
-                </a:solidFill>
-              </a:rPr>
-              <a:t>github.com</a:t>
-            </a:r>
-            <a:r>
-              <a:rPr lang="en-US" dirty="0">
-                <a:solidFill>
-                  <a:srgbClr val="0070C0"/>
-                </a:solidFill>
-              </a:rPr>
-              <a:t>/</a:t>
-            </a:r>
-            <a:r>
-              <a:rPr lang="en-US" dirty="0" err="1">
-                <a:solidFill>
-                  <a:srgbClr val="0070C0"/>
-                </a:solidFill>
-              </a:rPr>
-              <a:t>hawn</a:t>
-            </a:r>
-            <a:r>
-              <a:rPr lang="en-US" dirty="0">
-                <a:solidFill>
-                  <a:srgbClr val="0070C0"/>
-                </a:solidFill>
-              </a:rPr>
-              <a:t>-lab/</a:t>
-            </a:r>
-            <a:r>
-              <a:rPr lang="en-US" dirty="0" err="1">
-                <a:solidFill>
-                  <a:srgbClr val="0070C0"/>
-                </a:solidFill>
-              </a:rPr>
-              <a:t>RSTR_RNAseq_Mtb_public</a:t>
-            </a:r>
-            <a:endParaRPr lang="en-US" dirty="0">
-              <a:solidFill>
-                <a:srgbClr val="0070C0"/>
-              </a:solidFill>
-            </a:endParaRPr>
+              <a:t>We could go on… We </a:t>
+            </a:r>
+            <a:r>
+              <a:rPr lang="en-US" sz="2000" dirty="0"/>
+              <a:t>💜</a:t>
+            </a:r>
+            <a:r>
+              <a:rPr lang="en-US" dirty="0"/>
+              <a:t> R</a:t>
+            </a:r>
           </a:p>
         </p:txBody>
       </p:sp>
     </p:spTree>
     <p:extLst>
       <p:ext uri="{BB962C8B-B14F-4D97-AF65-F5344CB8AC3E}">
-        <p14:creationId xmlns:p14="http://schemas.microsoft.com/office/powerpoint/2010/main" val="4063691786"/>
+        <p14:creationId xmlns:p14="http://schemas.microsoft.com/office/powerpoint/2010/main" val="663214049"/>
       </p:ext>
     </p:extLst>
   </p:cSld>
@@ -7103,6 +7095,186 @@
         </p:nvSpPr>
         <p:spPr/>
         <p:txBody>
+          <a:bodyPr/>
+          <a:lstStyle/>
+          <a:p>
+            <a:pPr marL="0" indent="0">
+              <a:buNone/>
+            </a:pPr>
+            <a:endParaRPr lang="en-US" dirty="0"/>
+          </a:p>
+          <a:p>
+            <a:pPr marL="0" indent="0" algn="just">
+              <a:buNone/>
+            </a:pPr>
+            <a:r>
+              <a:rPr lang="en-US" dirty="0"/>
+              <a:t>Simmons JD, Dill-McFarland KA, </a:t>
+            </a:r>
+            <a:r>
+              <a:rPr lang="en-US" i="1" dirty="0"/>
+              <a:t>et al</a:t>
+            </a:r>
+            <a:r>
+              <a:rPr lang="en-US" dirty="0"/>
+              <a:t>. 2022. Monocyte transcriptional responses to </a:t>
+            </a:r>
+            <a:r>
+              <a:rPr lang="en-US" i="1" dirty="0"/>
+              <a:t>Mycobacterium tuberculosis</a:t>
+            </a:r>
+            <a:r>
+              <a:rPr lang="en-US" dirty="0"/>
+              <a:t> associate with resistance to tuberculin skin test and interferon gamma release assay conversion. </a:t>
+            </a:r>
+            <a:r>
+              <a:rPr lang="en-US" dirty="0" err="1"/>
+              <a:t>mSphere</a:t>
+            </a:r>
+            <a:r>
+              <a:rPr lang="en-US" dirty="0"/>
+              <a:t>. In press.</a:t>
+            </a:r>
+          </a:p>
+          <a:p>
+            <a:endParaRPr lang="en-US" dirty="0"/>
+          </a:p>
+          <a:p>
+            <a:pPr marL="0" indent="0">
+              <a:buNone/>
+            </a:pPr>
+            <a:r>
+              <a:rPr lang="en-US" dirty="0">
+                <a:solidFill>
+                  <a:srgbClr val="0070C0"/>
+                </a:solidFill>
+              </a:rPr>
+              <a:t>https://</a:t>
+            </a:r>
+            <a:r>
+              <a:rPr lang="en-US" dirty="0" err="1">
+                <a:solidFill>
+                  <a:srgbClr val="0070C0"/>
+                </a:solidFill>
+              </a:rPr>
+              <a:t>github.com</a:t>
+            </a:r>
+            <a:r>
+              <a:rPr lang="en-US" dirty="0">
+                <a:solidFill>
+                  <a:srgbClr val="0070C0"/>
+                </a:solidFill>
+              </a:rPr>
+              <a:t>/</a:t>
+            </a:r>
+            <a:r>
+              <a:rPr lang="en-US" dirty="0" err="1">
+                <a:solidFill>
+                  <a:srgbClr val="0070C0"/>
+                </a:solidFill>
+              </a:rPr>
+              <a:t>hawn</a:t>
+            </a:r>
+            <a:r>
+              <a:rPr lang="en-US" dirty="0">
+                <a:solidFill>
+                  <a:srgbClr val="0070C0"/>
+                </a:solidFill>
+              </a:rPr>
+              <a:t>-lab/</a:t>
+            </a:r>
+            <a:r>
+              <a:rPr lang="en-US" dirty="0" err="1">
+                <a:solidFill>
+                  <a:srgbClr val="0070C0"/>
+                </a:solidFill>
+              </a:rPr>
+              <a:t>RSTR_RNAseq_Mtb_public</a:t>
+            </a:r>
+            <a:endParaRPr lang="en-US" dirty="0">
+              <a:solidFill>
+                <a:srgbClr val="0070C0"/>
+              </a:solidFill>
+            </a:endParaRPr>
+          </a:p>
+        </p:txBody>
+      </p:sp>
+    </p:spTree>
+    <p:extLst>
+      <p:ext uri="{BB962C8B-B14F-4D97-AF65-F5344CB8AC3E}">
+        <p14:creationId xmlns:p14="http://schemas.microsoft.com/office/powerpoint/2010/main" val="4063691786"/>
+      </p:ext>
+    </p:extLst>
+  </p:cSld>
+  <p:clrMapOvr>
+    <a:masterClrMapping/>
+  </p:clrMapOvr>
+</p:sld>
+</file>
+
+<file path=ppt/slides/slide12.xml><?xml version="1.0" encoding="utf-8"?>
+<p:sld xmlns:a="http://schemas.openxmlformats.org/drawingml/2006/main" xmlns:r="http://schemas.openxmlformats.org/officeDocument/2006/relationships" xmlns:p="http://schemas.openxmlformats.org/presentationml/2006/main">
+  <p:cSld>
+    <p:spTree>
+      <p:nvGrpSpPr>
+        <p:cNvPr id="1" name=""/>
+        <p:cNvGrpSpPr/>
+        <p:nvPr/>
+      </p:nvGrpSpPr>
+      <p:grpSpPr>
+        <a:xfrm>
+          <a:off x="0" y="0"/>
+          <a:ext cx="0" cy="0"/>
+          <a:chOff x="0" y="0"/>
+          <a:chExt cx="0" cy="0"/>
+        </a:xfrm>
+      </p:grpSpPr>
+      <p:sp>
+        <p:nvSpPr>
+          <p:cNvPr id="2" name="Title 1">
+            <a:extLst>
+              <a:ext uri="{FF2B5EF4-FFF2-40B4-BE49-F238E27FC236}">
+                <a16:creationId xmlns:a16="http://schemas.microsoft.com/office/drawing/2014/main" id="{B36C652D-906E-27E6-F97F-55619D9EEB07}"/>
+              </a:ext>
+            </a:extLst>
+          </p:cNvPr>
+          <p:cNvSpPr>
+            <a:spLocks noGrp="1"/>
+          </p:cNvSpPr>
+          <p:nvPr>
+            <p:ph type="title"/>
+          </p:nvPr>
+        </p:nvSpPr>
+        <p:spPr/>
+        <p:txBody>
+          <a:bodyPr/>
+          <a:lstStyle/>
+          <a:p>
+            <a:r>
+              <a:rPr lang="en-US" dirty="0"/>
+              <a:t>Introduction to the data</a:t>
+            </a:r>
+          </a:p>
+        </p:txBody>
+      </p:sp>
+      <p:sp>
+        <p:nvSpPr>
+          <p:cNvPr id="3" name="Content Placeholder 2">
+            <a:extLst>
+              <a:ext uri="{FF2B5EF4-FFF2-40B4-BE49-F238E27FC236}">
+                <a16:creationId xmlns:a16="http://schemas.microsoft.com/office/drawing/2014/main" id="{BB9EEE7C-3BAD-6794-B760-7D5AE6CA5FA1}"/>
+              </a:ext>
+            </a:extLst>
+          </p:cNvPr>
+          <p:cNvSpPr>
+            <a:spLocks noGrp="1"/>
+          </p:cNvSpPr>
+          <p:nvPr>
+            <p:ph idx="1"/>
+          </p:nvPr>
+        </p:nvSpPr>
+        <p:spPr/>
+        <p:txBody>
           <a:bodyPr>
             <a:normAutofit/>
           </a:bodyPr>
@@ -7179,7 +7351,7 @@
 </p:sld>
 </file>
 
-<file path=ppt/slides/slide12.xml><?xml version="1.0" encoding="utf-8"?>
+<file path=ppt/slides/slide13.xml><?xml version="1.0" encoding="utf-8"?>
 <p:sld xmlns:a="http://schemas.openxmlformats.org/drawingml/2006/main" xmlns:r="http://schemas.openxmlformats.org/officeDocument/2006/relationships" xmlns:p="http://schemas.openxmlformats.org/presentationml/2006/main">
   <p:cSld>
     <p:spTree>
@@ -7273,7 +7445,7 @@
 </p:sld>
 </file>
 
-<file path=ppt/slides/slide13.xml><?xml version="1.0" encoding="utf-8"?>
+<file path=ppt/slides/slide14.xml><?xml version="1.0" encoding="utf-8"?>
 <p:sld xmlns:a="http://schemas.openxmlformats.org/drawingml/2006/main" xmlns:r="http://schemas.openxmlformats.org/officeDocument/2006/relationships" xmlns:p="http://schemas.openxmlformats.org/presentationml/2006/main">
   <p:cSld>
     <p:spTree>
@@ -10866,7 +11038,7 @@
 </p:sld>
 </file>
 
-<file path=ppt/slides/slide14.xml><?xml version="1.0" encoding="utf-8"?>
+<file path=ppt/slides/slide15.xml><?xml version="1.0" encoding="utf-8"?>
 <p:sld xmlns:a="http://schemas.openxmlformats.org/drawingml/2006/main" xmlns:r="http://schemas.openxmlformats.org/officeDocument/2006/relationships" xmlns:p="http://schemas.openxmlformats.org/presentationml/2006/main">
   <p:cSld>
     <p:spTree>
@@ -15760,6 +15932,114 @@
           <p:cNvPr id="2" name="Title 1">
             <a:extLst>
               <a:ext uri="{FF2B5EF4-FFF2-40B4-BE49-F238E27FC236}">
+                <a16:creationId xmlns:a16="http://schemas.microsoft.com/office/drawing/2014/main" id="{AB459C5C-D438-E75C-C2E6-1FE3E57AC67D}"/>
+              </a:ext>
+            </a:extLst>
+          </p:cNvPr>
+          <p:cNvSpPr>
+            <a:spLocks noGrp="1"/>
+          </p:cNvSpPr>
+          <p:nvPr>
+            <p:ph type="title"/>
+          </p:nvPr>
+        </p:nvSpPr>
+        <p:spPr/>
+        <p:txBody>
+          <a:bodyPr/>
+          <a:lstStyle/>
+          <a:p>
+            <a:r>
+              <a:rPr lang="en-US" dirty="0"/>
+              <a:t>Recording</a:t>
+            </a:r>
+          </a:p>
+        </p:txBody>
+      </p:sp>
+      <p:sp>
+        <p:nvSpPr>
+          <p:cNvPr id="3" name="Content Placeholder 2">
+            <a:extLst>
+              <a:ext uri="{FF2B5EF4-FFF2-40B4-BE49-F238E27FC236}">
+                <a16:creationId xmlns:a16="http://schemas.microsoft.com/office/drawing/2014/main" id="{53A5B9C4-1D25-979E-3BB0-35902D736245}"/>
+              </a:ext>
+            </a:extLst>
+          </p:cNvPr>
+          <p:cNvSpPr>
+            <a:spLocks noGrp="1"/>
+          </p:cNvSpPr>
+          <p:nvPr>
+            <p:ph idx="1"/>
+          </p:nvPr>
+        </p:nvSpPr>
+        <p:spPr/>
+        <p:txBody>
+          <a:bodyPr/>
+          <a:lstStyle/>
+          <a:p>
+            <a:endParaRPr lang="en-US"/>
+          </a:p>
+          <a:p>
+            <a:r>
+              <a:rPr lang="en-US"/>
+              <a:t>This </a:t>
+            </a:r>
+            <a:r>
+              <a:rPr lang="en-US" dirty="0"/>
+              <a:t>workshop will be recorded and made available to attendees through a private link</a:t>
+            </a:r>
+          </a:p>
+          <a:p>
+            <a:endParaRPr lang="en-US" dirty="0"/>
+          </a:p>
+          <a:p>
+            <a:r>
+              <a:rPr lang="en-US" dirty="0"/>
+              <a:t>We will pause recording periodically to allow questions from those who do not wish to be recorded</a:t>
+            </a:r>
+          </a:p>
+          <a:p>
+            <a:r>
+              <a:rPr lang="en-US" dirty="0"/>
+              <a:t>You can also always post questions in Slack #questions</a:t>
+            </a:r>
+          </a:p>
+        </p:txBody>
+      </p:sp>
+    </p:spTree>
+    <p:extLst>
+      <p:ext uri="{BB962C8B-B14F-4D97-AF65-F5344CB8AC3E}">
+        <p14:creationId xmlns:p14="http://schemas.microsoft.com/office/powerpoint/2010/main" val="1585571886"/>
+      </p:ext>
+    </p:extLst>
+  </p:cSld>
+  <p:clrMapOvr>
+    <a:masterClrMapping/>
+  </p:clrMapOvr>
+</p:sld>
+</file>
+
+<file path=ppt/slides/slide9.xml><?xml version="1.0" encoding="utf-8"?>
+<p:sld xmlns:a="http://schemas.openxmlformats.org/drawingml/2006/main" xmlns:r="http://schemas.openxmlformats.org/officeDocument/2006/relationships" xmlns:p="http://schemas.openxmlformats.org/presentationml/2006/main">
+  <p:cSld>
+    <p:spTree>
+      <p:nvGrpSpPr>
+        <p:cNvPr id="1" name=""/>
+        <p:cNvGrpSpPr/>
+        <p:nvPr/>
+      </p:nvGrpSpPr>
+      <p:grpSpPr>
+        <a:xfrm>
+          <a:off x="0" y="0"/>
+          <a:ext cx="0" cy="0"/>
+          <a:chOff x="0" y="0"/>
+          <a:chExt cx="0" cy="0"/>
+        </a:xfrm>
+      </p:grpSpPr>
+      <p:sp>
+        <p:nvSpPr>
+          <p:cNvPr id="2" name="Title 1">
+            <a:extLst>
+              <a:ext uri="{FF2B5EF4-FFF2-40B4-BE49-F238E27FC236}">
                 <a16:creationId xmlns:a16="http://schemas.microsoft.com/office/drawing/2014/main" id="{C16ECEED-38D4-D0EF-A552-D34C9262708C}"/>
               </a:ext>
             </a:extLst>
@@ -15863,177 +16143,6 @@
     <p:extLst>
       <p:ext uri="{BB962C8B-B14F-4D97-AF65-F5344CB8AC3E}">
         <p14:creationId xmlns:p14="http://schemas.microsoft.com/office/powerpoint/2010/main" val="3408191883"/>
-      </p:ext>
-    </p:extLst>
-  </p:cSld>
-  <p:clrMapOvr>
-    <a:masterClrMapping/>
-  </p:clrMapOvr>
-</p:sld>
-</file>
-
-<file path=ppt/slides/slide9.xml><?xml version="1.0" encoding="utf-8"?>
-<p:sld xmlns:a="http://schemas.openxmlformats.org/drawingml/2006/main" xmlns:r="http://schemas.openxmlformats.org/officeDocument/2006/relationships" xmlns:p="http://schemas.openxmlformats.org/presentationml/2006/main">
-  <p:cSld>
-    <p:spTree>
-      <p:nvGrpSpPr>
-        <p:cNvPr id="1" name=""/>
-        <p:cNvGrpSpPr/>
-        <p:nvPr/>
-      </p:nvGrpSpPr>
-      <p:grpSpPr>
-        <a:xfrm>
-          <a:off x="0" y="0"/>
-          <a:ext cx="0" cy="0"/>
-          <a:chOff x="0" y="0"/>
-          <a:chExt cx="0" cy="0"/>
-        </a:xfrm>
-      </p:grpSpPr>
-      <p:sp>
-        <p:nvSpPr>
-          <p:cNvPr id="2" name="Title 1">
-            <a:extLst>
-              <a:ext uri="{FF2B5EF4-FFF2-40B4-BE49-F238E27FC236}">
-                <a16:creationId xmlns:a16="http://schemas.microsoft.com/office/drawing/2014/main" id="{417E45D5-7E1C-B9FA-5657-770AF5202CE1}"/>
-              </a:ext>
-            </a:extLst>
-          </p:cNvPr>
-          <p:cNvSpPr>
-            <a:spLocks noGrp="1"/>
-          </p:cNvSpPr>
-          <p:nvPr>
-            <p:ph type="title"/>
-          </p:nvPr>
-        </p:nvSpPr>
-        <p:spPr/>
-        <p:txBody>
-          <a:bodyPr/>
-          <a:lstStyle/>
-          <a:p>
-            <a:r>
-              <a:rPr lang="en-US" dirty="0"/>
-              <a:t>Motivation</a:t>
-            </a:r>
-          </a:p>
-        </p:txBody>
-      </p:sp>
-      <p:sp>
-        <p:nvSpPr>
-          <p:cNvPr id="3" name="Content Placeholder 2">
-            <a:extLst>
-              <a:ext uri="{FF2B5EF4-FFF2-40B4-BE49-F238E27FC236}">
-                <a16:creationId xmlns:a16="http://schemas.microsoft.com/office/drawing/2014/main" id="{36750D50-6651-6B3A-FD36-B6634E166753}"/>
-              </a:ext>
-            </a:extLst>
-          </p:cNvPr>
-          <p:cNvSpPr>
-            <a:spLocks noGrp="1"/>
-          </p:cNvSpPr>
-          <p:nvPr>
-            <p:ph idx="1"/>
-          </p:nvPr>
-        </p:nvSpPr>
-        <p:spPr>
-          <a:xfrm>
-            <a:off x="838200" y="1690687"/>
-            <a:ext cx="10515600" cy="4802187"/>
-          </a:xfrm>
-        </p:spPr>
-        <p:txBody>
-          <a:bodyPr>
-            <a:normAutofit/>
-          </a:bodyPr>
-          <a:lstStyle/>
-          <a:p>
-            <a:r>
-              <a:rPr lang="en-US" dirty="0"/>
-              <a:t>Why write code?</a:t>
-            </a:r>
-          </a:p>
-          <a:p>
-            <a:pPr lvl="1"/>
-            <a:r>
-              <a:rPr lang="en-US" dirty="0"/>
-              <a:t>More reproducible (scripts!)</a:t>
-            </a:r>
-          </a:p>
-          <a:p>
-            <a:pPr lvl="1"/>
-            <a:r>
-              <a:rPr lang="en-US" dirty="0"/>
-              <a:t>Customization and control</a:t>
-            </a:r>
-          </a:p>
-          <a:p>
-            <a:pPr lvl="1"/>
-            <a:r>
-              <a:rPr lang="en-US" dirty="0"/>
-              <a:t>Access high-performance and high-throughput resources</a:t>
-            </a:r>
-          </a:p>
-          <a:p>
-            <a:endParaRPr lang="en-US" dirty="0"/>
-          </a:p>
-          <a:p>
-            <a:r>
-              <a:rPr lang="en-US" dirty="0"/>
-              <a:t>Why R?</a:t>
-            </a:r>
-          </a:p>
-          <a:p>
-            <a:pPr lvl="1"/>
-            <a:r>
-              <a:rPr lang="en-US" dirty="0"/>
-              <a:t>Open-source and free</a:t>
-            </a:r>
-          </a:p>
-          <a:p>
-            <a:pPr lvl="1"/>
-            <a:r>
-              <a:rPr lang="en-US" dirty="0"/>
-              <a:t>Supportive community</a:t>
-            </a:r>
-          </a:p>
-          <a:p>
-            <a:pPr lvl="1"/>
-            <a:r>
-              <a:rPr lang="en-US" dirty="0"/>
-              <a:t>Statistical foundation</a:t>
-            </a:r>
-          </a:p>
-          <a:p>
-            <a:pPr lvl="1"/>
-            <a:r>
-              <a:rPr lang="en-US" dirty="0"/>
-              <a:t>Well-documented and popular packages for </a:t>
-            </a:r>
-            <a:r>
-              <a:rPr lang="en-US" dirty="0" err="1"/>
-              <a:t>RNAseq</a:t>
-            </a:r>
-            <a:endParaRPr lang="en-US" dirty="0"/>
-          </a:p>
-          <a:p>
-            <a:pPr lvl="1"/>
-            <a:r>
-              <a:rPr lang="en-US" dirty="0"/>
-              <a:t>We could go on… We </a:t>
-            </a:r>
-            <a:r>
-              <a:rPr lang="en-US" sz="2000" dirty="0"/>
-              <a:t>💜</a:t>
-            </a:r>
-            <a:r>
-              <a:rPr lang="en-US" dirty="0"/>
-              <a:t> R</a:t>
-            </a:r>
-          </a:p>
-        </p:txBody>
-      </p:sp>
-    </p:spTree>
-    <p:extLst>
-      <p:ext uri="{BB962C8B-B14F-4D97-AF65-F5344CB8AC3E}">
-        <p14:creationId xmlns:p14="http://schemas.microsoft.com/office/powerpoint/2010/main" val="663214049"/>
       </p:ext>
     </p:extLst>
   </p:cSld>
